--- a/Documentação/Colheita Urbana.pptx
+++ b/Documentação/Colheita Urbana.pptx
@@ -7,8 +7,12 @@
   <p:sldIdLst>
     <p:sldId id="256" r:id="rId2"/>
     <p:sldId id="259" r:id="rId3"/>
-    <p:sldId id="258" r:id="rId4"/>
-    <p:sldId id="257" r:id="rId5"/>
+    <p:sldId id="260" r:id="rId4"/>
+    <p:sldId id="258" r:id="rId5"/>
+    <p:sldId id="257" r:id="rId6"/>
+    <p:sldId id="261" r:id="rId7"/>
+    <p:sldId id="262" r:id="rId8"/>
+    <p:sldId id="263" r:id="rId9"/>
   </p:sldIdLst>
   <p:sldSz cx="12192000" cy="6858000"/>
   <p:notesSz cx="6858000" cy="9144000"/>
@@ -107,6 +111,11 @@
       </a:defRPr>
     </a:lvl9pPr>
   </p:defaultTextStyle>
+  <p:extLst>
+    <p:ext uri="{EFAFB233-063F-42B5-8137-9DF3F51BA10A}">
+      <p15:sldGuideLst xmlns:p15="http://schemas.microsoft.com/office/powerpoint/2012/main"/>
+    </p:ext>
+  </p:extLst>
 </p:presentation>
 </file>
 
@@ -6368,813 +6377,73 @@
             <a:spLocks noGrp="1"/>
           </p:cNvSpPr>
           <p:nvPr>
-            <p:ph type="title"/>
+            <p:ph type="ctrTitle"/>
           </p:nvPr>
         </p:nvSpPr>
         <p:spPr>
           <a:xfrm>
-            <a:off x="1131885" y="-152399"/>
-            <a:ext cx="6070919" cy="834390"/>
+            <a:off x="449895" y="0"/>
+            <a:ext cx="8574622" cy="2616199"/>
           </a:xfrm>
         </p:spPr>
         <p:txBody>
-          <a:bodyPr/>
+          <a:bodyPr>
+            <a:normAutofit fontScale="90000"/>
+          </a:bodyPr>
           <a:lstStyle/>
           <a:p>
             <a:r>
               <a:rPr lang="pt-BR" dirty="0" smtClean="0"/>
-              <a:t>Visão geral dos casos de uso</a:t>
-            </a:r>
+              <a:t>Diagrama de Casos de uso</a:t>
+            </a:r>
+            <a:br>
+              <a:rPr lang="pt-BR" dirty="0" smtClean="0"/>
+            </a:br>
+            <a:r>
+              <a:rPr lang="pt-BR" dirty="0" smtClean="0"/>
+              <a:t/>
+            </a:r>
+            <a:br>
+              <a:rPr lang="pt-BR" dirty="0" smtClean="0"/>
+            </a:br>
             <a:endParaRPr lang="pt-BR" dirty="0"/>
           </a:p>
         </p:txBody>
       </p:sp>
-      <p:sp>
-        <p:nvSpPr>
-          <p:cNvPr id="3" name="Espaço Reservado para Conteúdo 2"/>
-          <p:cNvSpPr>
-            <a:spLocks noGrp="1"/>
-          </p:cNvSpPr>
-          <p:nvPr>
-            <p:ph idx="1"/>
-          </p:nvPr>
-        </p:nvSpPr>
+      <p:pic>
+        <p:nvPicPr>
+          <p:cNvPr id="5" name="Imagem 4"/>
+          <p:cNvPicPr>
+            <a:picLocks noChangeAspect="1"/>
+          </p:cNvPicPr>
+          <p:nvPr/>
+        </p:nvPicPr>
+        <p:blipFill>
+          <a:blip r:embed="rId2">
+            <a:extLst>
+              <a:ext uri="{28A0092B-C50C-407E-A947-70E740481C1C}">
+                <a14:useLocalDpi xmlns:a14="http://schemas.microsoft.com/office/drawing/2010/main" val="0"/>
+              </a:ext>
+            </a:extLst>
+          </a:blip>
+          <a:stretch>
+            <a:fillRect/>
+          </a:stretch>
+        </p:blipFill>
         <p:spPr>
           <a:xfrm>
-            <a:off x="2157709" y="1190801"/>
-            <a:ext cx="10002840" cy="5052059"/>
+            <a:off x="2944694" y="837713"/>
+            <a:ext cx="7947896" cy="6020287"/>
           </a:xfrm>
+          <a:prstGeom prst="rect">
+            <a:avLst/>
+          </a:prstGeom>
         </p:spPr>
-        <p:txBody>
-          <a:bodyPr numCol="2">
-            <a:noAutofit/>
-          </a:bodyPr>
-          <a:lstStyle/>
-          <a:p>
-            <a:r>
-              <a:rPr lang="pt-BR" sz="1000" dirty="0"/>
-              <a:t>Caso de Uso: Adicionar Item </a:t>
-            </a:r>
-            <a:r>
-              <a:rPr lang="pt-BR" sz="1000" dirty="0" smtClean="0"/>
-              <a:t/>
-            </a:r>
-            <a:br>
-              <a:rPr lang="pt-BR" sz="1000" dirty="0" smtClean="0"/>
-            </a:br>
-            <a:r>
-              <a:rPr lang="pt-BR" sz="1000" dirty="0" smtClean="0"/>
-              <a:t>Ator</a:t>
-            </a:r>
-            <a:r>
-              <a:rPr lang="pt-BR" sz="1000" dirty="0"/>
-              <a:t>: Administrador </a:t>
-            </a:r>
-            <a:r>
-              <a:rPr lang="pt-BR" sz="1000" dirty="0" smtClean="0"/>
-              <a:t/>
-            </a:r>
-            <a:br>
-              <a:rPr lang="pt-BR" sz="1000" dirty="0" smtClean="0"/>
-            </a:br>
-            <a:r>
-              <a:rPr lang="pt-BR" sz="1000" dirty="0" smtClean="0"/>
-              <a:t>Descrição</a:t>
-            </a:r>
-            <a:r>
-              <a:rPr lang="pt-BR" sz="1000" dirty="0"/>
-              <a:t>: Permite ao administrador adicionar itens novos ao estoque.  </a:t>
-            </a:r>
-          </a:p>
-          <a:p>
-            <a:r>
-              <a:rPr lang="pt-BR" sz="1000" dirty="0"/>
-              <a:t>Caso de Uso: Mudar senha da conta </a:t>
-            </a:r>
-            <a:r>
-              <a:rPr lang="pt-BR" sz="1000" dirty="0" smtClean="0"/>
-              <a:t/>
-            </a:r>
-            <a:br>
-              <a:rPr lang="pt-BR" sz="1000" dirty="0" smtClean="0"/>
-            </a:br>
-            <a:r>
-              <a:rPr lang="pt-BR" sz="1000" dirty="0" smtClean="0"/>
-              <a:t>Ator</a:t>
-            </a:r>
-            <a:r>
-              <a:rPr lang="pt-BR" sz="1000" dirty="0"/>
-              <a:t>: Administrador </a:t>
-            </a:r>
-            <a:r>
-              <a:rPr lang="pt-BR" sz="1000" dirty="0" smtClean="0"/>
-              <a:t/>
-            </a:r>
-            <a:br>
-              <a:rPr lang="pt-BR" sz="1000" dirty="0" smtClean="0"/>
-            </a:br>
-            <a:r>
-              <a:rPr lang="pt-BR" sz="1000" dirty="0" smtClean="0"/>
-              <a:t>Descrição</a:t>
-            </a:r>
-            <a:r>
-              <a:rPr lang="pt-BR" sz="1000" dirty="0"/>
-              <a:t>: O administrador pode mudar a senha da própria conta de administrador </a:t>
-            </a:r>
-          </a:p>
-          <a:p>
-            <a:r>
-              <a:rPr lang="pt-BR" sz="1000" dirty="0"/>
-              <a:t>Caso de Uso: Listar itens </a:t>
-            </a:r>
-            <a:r>
-              <a:rPr lang="pt-BR" sz="1000" dirty="0" smtClean="0"/>
-              <a:t/>
-            </a:r>
-            <a:br>
-              <a:rPr lang="pt-BR" sz="1000" dirty="0" smtClean="0"/>
-            </a:br>
-            <a:r>
-              <a:rPr lang="pt-BR" sz="1000" dirty="0" smtClean="0"/>
-              <a:t>Ator</a:t>
-            </a:r>
-            <a:r>
-              <a:rPr lang="pt-BR" sz="1000" dirty="0"/>
-              <a:t>: Administrador </a:t>
-            </a:r>
-            <a:r>
-              <a:rPr lang="pt-BR" sz="1000" dirty="0" smtClean="0"/>
-              <a:t/>
-            </a:r>
-            <a:br>
-              <a:rPr lang="pt-BR" sz="1000" dirty="0" smtClean="0"/>
-            </a:br>
-            <a:r>
-              <a:rPr lang="pt-BR" sz="1000" dirty="0" smtClean="0"/>
-              <a:t>Descrição</a:t>
-            </a:r>
-            <a:r>
-              <a:rPr lang="pt-BR" sz="1000" dirty="0"/>
-              <a:t>: Permite ao administrador listar todos os itens do estoque para verificação de </a:t>
-            </a:r>
-            <a:r>
-              <a:rPr lang="pt-BR" sz="1000" dirty="0" smtClean="0"/>
-              <a:t>quantidades</a:t>
-            </a:r>
-            <a:r>
-              <a:rPr lang="pt-BR" sz="1000" dirty="0"/>
-              <a:t>. </a:t>
-            </a:r>
-          </a:p>
-          <a:p>
-            <a:r>
-              <a:rPr lang="pt-BR" sz="1000" dirty="0"/>
-              <a:t>Caso de Uso: Remover Itens </a:t>
-            </a:r>
-            <a:r>
-              <a:rPr lang="pt-BR" sz="1000" dirty="0"/>
-              <a:t/>
-            </a:r>
-            <a:br>
-              <a:rPr lang="pt-BR" sz="1000" dirty="0"/>
-            </a:br>
-            <a:r>
-              <a:rPr lang="pt-BR" sz="1000" dirty="0" smtClean="0"/>
-              <a:t>Ator</a:t>
-            </a:r>
-            <a:r>
-              <a:rPr lang="pt-BR" sz="1000" dirty="0"/>
-              <a:t>: Administrador </a:t>
-            </a:r>
-            <a:r>
-              <a:rPr lang="pt-BR" sz="1000" dirty="0" smtClean="0"/>
-              <a:t/>
-            </a:r>
-            <a:br>
-              <a:rPr lang="pt-BR" sz="1000" dirty="0" smtClean="0"/>
-            </a:br>
-            <a:r>
-              <a:rPr lang="pt-BR" sz="1000" dirty="0" smtClean="0"/>
-              <a:t>Descrição</a:t>
-            </a:r>
-            <a:r>
-              <a:rPr lang="pt-BR" sz="1000" dirty="0"/>
-              <a:t>: O administrador pode remover itens que estão disponíveis na lista do estoque. </a:t>
-            </a:r>
-          </a:p>
-          <a:p>
-            <a:r>
-              <a:rPr lang="pt-BR" sz="1000" dirty="0"/>
-              <a:t>Caso de Uso: Editar itens </a:t>
-            </a:r>
-            <a:r>
-              <a:rPr lang="pt-BR" sz="1000" dirty="0" smtClean="0"/>
-              <a:t/>
-            </a:r>
-            <a:br>
-              <a:rPr lang="pt-BR" sz="1000" dirty="0" smtClean="0"/>
-            </a:br>
-            <a:r>
-              <a:rPr lang="pt-BR" sz="1000" dirty="0" smtClean="0"/>
-              <a:t>Ator</a:t>
-            </a:r>
-            <a:r>
-              <a:rPr lang="pt-BR" sz="1000" dirty="0"/>
-              <a:t>: Administrador </a:t>
-            </a:r>
-            <a:r>
-              <a:rPr lang="pt-BR" sz="1000" dirty="0" smtClean="0"/>
-              <a:t/>
-            </a:r>
-            <a:br>
-              <a:rPr lang="pt-BR" sz="1000" dirty="0" smtClean="0"/>
-            </a:br>
-            <a:r>
-              <a:rPr lang="pt-BR" sz="1000" dirty="0" smtClean="0"/>
-              <a:t>Descrição</a:t>
-            </a:r>
-            <a:r>
-              <a:rPr lang="pt-BR" sz="1000" dirty="0"/>
-              <a:t>: Permite ao administrador editar quaisquer itens que estão presentes no estoque. </a:t>
-            </a:r>
-          </a:p>
-          <a:p>
-            <a:r>
-              <a:rPr lang="pt-BR" sz="1000" dirty="0"/>
-              <a:t>Caso de Uso: Cadastrar cestas </a:t>
-            </a:r>
-            <a:r>
-              <a:rPr lang="pt-BR" sz="1000" dirty="0" smtClean="0"/>
-              <a:t/>
-            </a:r>
-            <a:br>
-              <a:rPr lang="pt-BR" sz="1000" dirty="0" smtClean="0"/>
-            </a:br>
-            <a:r>
-              <a:rPr lang="pt-BR" sz="1000" dirty="0" smtClean="0"/>
-              <a:t>Ator</a:t>
-            </a:r>
-            <a:r>
-              <a:rPr lang="pt-BR" sz="1000" dirty="0"/>
-              <a:t>: Administrador </a:t>
-            </a:r>
-            <a:r>
-              <a:rPr lang="pt-BR" sz="1000" dirty="0" smtClean="0"/>
-              <a:t/>
-            </a:r>
-            <a:br>
-              <a:rPr lang="pt-BR" sz="1000" dirty="0" smtClean="0"/>
-            </a:br>
-            <a:r>
-              <a:rPr lang="pt-BR" sz="1000" dirty="0" smtClean="0"/>
-              <a:t>Descrição</a:t>
-            </a:r>
-            <a:r>
-              <a:rPr lang="pt-BR" sz="1000" dirty="0"/>
-              <a:t>: O administrador pode cadastrar novos tipos de cestas, a atual lista de cestas. </a:t>
-            </a:r>
-          </a:p>
-          <a:p>
-            <a:r>
-              <a:rPr lang="pt-BR" sz="1000" dirty="0"/>
-              <a:t>Caso de Uso: Listar cestas </a:t>
-            </a:r>
-            <a:r>
-              <a:rPr lang="pt-BR" sz="1000" dirty="0" smtClean="0"/>
-              <a:t/>
-            </a:r>
-            <a:br>
-              <a:rPr lang="pt-BR" sz="1000" dirty="0" smtClean="0"/>
-            </a:br>
-            <a:r>
-              <a:rPr lang="pt-BR" sz="1000" dirty="0" smtClean="0"/>
-              <a:t>Ator</a:t>
-            </a:r>
-            <a:r>
-              <a:rPr lang="pt-BR" sz="1000" dirty="0"/>
-              <a:t>: Administrador </a:t>
-            </a:r>
-            <a:r>
-              <a:rPr lang="pt-BR" sz="1000" dirty="0" smtClean="0"/>
-              <a:t/>
-            </a:r>
-            <a:br>
-              <a:rPr lang="pt-BR" sz="1000" dirty="0" smtClean="0"/>
-            </a:br>
-            <a:r>
-              <a:rPr lang="pt-BR" sz="1000" dirty="0" smtClean="0"/>
-              <a:t>Descrição</a:t>
-            </a:r>
-            <a:r>
-              <a:rPr lang="pt-BR" sz="1000" dirty="0"/>
-              <a:t>: O administrador pode listar todos os tipos de cestas disponíveis atualmente. </a:t>
-            </a:r>
-          </a:p>
-          <a:p>
-            <a:r>
-              <a:rPr lang="pt-BR" sz="1000" dirty="0"/>
-              <a:t>Caso de Uso: Deletar cestas </a:t>
-            </a:r>
-            <a:r>
-              <a:rPr lang="pt-BR" sz="1000" dirty="0" smtClean="0"/>
-              <a:t/>
-            </a:r>
-            <a:br>
-              <a:rPr lang="pt-BR" sz="1000" dirty="0" smtClean="0"/>
-            </a:br>
-            <a:r>
-              <a:rPr lang="pt-BR" sz="1000" dirty="0" smtClean="0"/>
-              <a:t>Ator</a:t>
-            </a:r>
-            <a:r>
-              <a:rPr lang="pt-BR" sz="1000" dirty="0"/>
-              <a:t>: Administrador </a:t>
-            </a:r>
-            <a:r>
-              <a:rPr lang="pt-BR" sz="1000" dirty="0" smtClean="0"/>
-              <a:t/>
-            </a:r>
-            <a:br>
-              <a:rPr lang="pt-BR" sz="1000" dirty="0" smtClean="0"/>
-            </a:br>
-            <a:r>
-              <a:rPr lang="pt-BR" sz="1000" dirty="0" smtClean="0"/>
-              <a:t>Descrição</a:t>
-            </a:r>
-            <a:r>
-              <a:rPr lang="pt-BR" sz="1000" dirty="0"/>
-              <a:t>: Permite ao administrador remover tipos de cestas disponíveis no sistema. </a:t>
-            </a:r>
-          </a:p>
-          <a:p>
-            <a:r>
-              <a:rPr lang="pt-BR" sz="1000" dirty="0"/>
-              <a:t>Caso de Uso: Consultar relatórios </a:t>
-            </a:r>
-            <a:r>
-              <a:rPr lang="pt-BR" sz="1000" dirty="0" smtClean="0"/>
-              <a:t/>
-            </a:r>
-            <a:br>
-              <a:rPr lang="pt-BR" sz="1000" dirty="0" smtClean="0"/>
-            </a:br>
-            <a:r>
-              <a:rPr lang="pt-BR" sz="1000" dirty="0" smtClean="0"/>
-              <a:t>Ator</a:t>
-            </a:r>
-            <a:r>
-              <a:rPr lang="pt-BR" sz="1000" dirty="0"/>
-              <a:t>: Administrador </a:t>
-            </a:r>
-            <a:r>
-              <a:rPr lang="pt-BR" sz="1000" dirty="0" smtClean="0"/>
-              <a:t/>
-            </a:r>
-            <a:br>
-              <a:rPr lang="pt-BR" sz="1000" dirty="0" smtClean="0"/>
-            </a:br>
-            <a:r>
-              <a:rPr lang="pt-BR" sz="1000" dirty="0" smtClean="0"/>
-              <a:t>Descrição</a:t>
-            </a:r>
-            <a:r>
-              <a:rPr lang="pt-BR" sz="1000" dirty="0"/>
-              <a:t>: O administrador pode consultar um relatório, contendo todas as cestas vendidas </a:t>
-            </a:r>
-            <a:r>
-              <a:rPr lang="pt-BR" sz="1000" dirty="0" smtClean="0"/>
-              <a:t>no </a:t>
-            </a:r>
-            <a:r>
-              <a:rPr lang="pt-BR" sz="1000" dirty="0"/>
-              <a:t>site, de todos os usuários.  </a:t>
-            </a:r>
-          </a:p>
-          <a:p>
-            <a:r>
-              <a:rPr lang="pt-BR" sz="1000" dirty="0"/>
-              <a:t>Caso de Uso: Consultar usuários </a:t>
-            </a:r>
-            <a:r>
-              <a:rPr lang="pt-BR" sz="1000" dirty="0" smtClean="0"/>
-              <a:t/>
-            </a:r>
-            <a:br>
-              <a:rPr lang="pt-BR" sz="1000" dirty="0" smtClean="0"/>
-            </a:br>
-            <a:r>
-              <a:rPr lang="pt-BR" sz="1000" dirty="0" smtClean="0"/>
-              <a:t>Ator</a:t>
-            </a:r>
-            <a:r>
-              <a:rPr lang="pt-BR" sz="1000" dirty="0"/>
-              <a:t>: Administrador </a:t>
-            </a:r>
-            <a:r>
-              <a:rPr lang="pt-BR" sz="1000" dirty="0" smtClean="0"/>
-              <a:t/>
-            </a:r>
-            <a:br>
-              <a:rPr lang="pt-BR" sz="1000" dirty="0" smtClean="0"/>
-            </a:br>
-            <a:r>
-              <a:rPr lang="pt-BR" sz="1000" dirty="0" smtClean="0"/>
-              <a:t>Descrição</a:t>
-            </a:r>
-            <a:r>
-              <a:rPr lang="pt-BR" sz="1000" dirty="0"/>
-              <a:t>: Permite ao administrador consultar dados como por exemplo nome, endereço e </a:t>
-            </a:r>
-            <a:r>
-              <a:rPr lang="pt-BR" sz="1000" dirty="0" smtClean="0"/>
-              <a:t>telefone </a:t>
-            </a:r>
-            <a:r>
-              <a:rPr lang="pt-BR" sz="1000" dirty="0"/>
-              <a:t>de todos os usuários cadastrados. </a:t>
-            </a:r>
-          </a:p>
-          <a:p>
-            <a:r>
-              <a:rPr lang="pt-BR" sz="1000" dirty="0"/>
-              <a:t>Caso de Uso: Listar cestas </a:t>
-            </a:r>
-            <a:r>
-              <a:rPr lang="pt-BR" sz="1000" dirty="0" smtClean="0"/>
-              <a:t/>
-            </a:r>
-            <a:br>
-              <a:rPr lang="pt-BR" sz="1000" dirty="0" smtClean="0"/>
-            </a:br>
-            <a:r>
-              <a:rPr lang="pt-BR" sz="1000" dirty="0" smtClean="0"/>
-              <a:t>Ator</a:t>
-            </a:r>
-            <a:r>
-              <a:rPr lang="pt-BR" sz="1000" dirty="0"/>
-              <a:t>: Administrador </a:t>
-            </a:r>
-            <a:r>
-              <a:rPr lang="pt-BR" sz="1000" dirty="0" smtClean="0"/>
-              <a:t/>
-            </a:r>
-            <a:br>
-              <a:rPr lang="pt-BR" sz="1000" dirty="0" smtClean="0"/>
-            </a:br>
-            <a:r>
-              <a:rPr lang="pt-BR" sz="1000" dirty="0" smtClean="0"/>
-              <a:t>Descrição</a:t>
-            </a:r>
-            <a:r>
-              <a:rPr lang="pt-BR" sz="1000" dirty="0"/>
-              <a:t>: O sistema deve enviar um e-mail ao usuário que solicitou aluguel quando o dono </a:t>
-            </a:r>
-            <a:r>
-              <a:rPr lang="pt-BR" sz="1000" dirty="0" smtClean="0"/>
-              <a:t>do </a:t>
-            </a:r>
-            <a:r>
-              <a:rPr lang="pt-BR" sz="1000" dirty="0"/>
-              <a:t>item aceitou ou recusou seu pedido. </a:t>
-            </a:r>
-          </a:p>
-          <a:p>
-            <a:r>
-              <a:rPr lang="pt-BR" sz="1000" dirty="0"/>
-              <a:t>Caso de Uso: Cadastrar e editar conta </a:t>
-            </a:r>
-            <a:r>
-              <a:rPr lang="pt-BR" sz="1000" dirty="0" smtClean="0"/>
-              <a:t/>
-            </a:r>
-            <a:br>
-              <a:rPr lang="pt-BR" sz="1000" dirty="0" smtClean="0"/>
-            </a:br>
-            <a:r>
-              <a:rPr lang="pt-BR" sz="1000" dirty="0" smtClean="0"/>
-              <a:t>Ator</a:t>
-            </a:r>
-            <a:r>
-              <a:rPr lang="pt-BR" sz="1000" dirty="0"/>
-              <a:t>: Usuário comum </a:t>
-            </a:r>
-            <a:r>
-              <a:rPr lang="pt-BR" sz="1000" dirty="0" smtClean="0"/>
-              <a:t/>
-            </a:r>
-            <a:br>
-              <a:rPr lang="pt-BR" sz="1000" dirty="0" smtClean="0"/>
-            </a:br>
-            <a:r>
-              <a:rPr lang="pt-BR" sz="1000" dirty="0" smtClean="0"/>
-              <a:t>Descrição</a:t>
-            </a:r>
-            <a:r>
-              <a:rPr lang="pt-BR" sz="1000" dirty="0"/>
-              <a:t>: O usuário comum deve poder se cadastrar no site, e ter poder de alterar os dados </a:t>
-            </a:r>
-            <a:r>
-              <a:rPr lang="pt-BR" sz="1000" dirty="0" smtClean="0"/>
-              <a:t>cadastrais </a:t>
-            </a:r>
-            <a:r>
-              <a:rPr lang="pt-BR" sz="1000" dirty="0"/>
-              <a:t>da própria conta. </a:t>
-            </a:r>
-          </a:p>
-          <a:p>
-            <a:r>
-              <a:rPr lang="pt-BR" sz="1000" dirty="0"/>
-              <a:t>Caso de Uso: Histórico de compra </a:t>
-            </a:r>
-            <a:r>
-              <a:rPr lang="pt-BR" sz="1000" dirty="0" smtClean="0"/>
-              <a:t/>
-            </a:r>
-            <a:br>
-              <a:rPr lang="pt-BR" sz="1000" dirty="0" smtClean="0"/>
-            </a:br>
-            <a:r>
-              <a:rPr lang="pt-BR" sz="1000" dirty="0" smtClean="0"/>
-              <a:t>Ator</a:t>
-            </a:r>
-            <a:r>
-              <a:rPr lang="pt-BR" sz="1000" dirty="0"/>
-              <a:t>: Usuário comum </a:t>
-            </a:r>
-            <a:r>
-              <a:rPr lang="pt-BR" sz="1000" dirty="0" smtClean="0"/>
-              <a:t/>
-            </a:r>
-            <a:br>
-              <a:rPr lang="pt-BR" sz="1000" dirty="0" smtClean="0"/>
-            </a:br>
-            <a:r>
-              <a:rPr lang="pt-BR" sz="1000" dirty="0" smtClean="0"/>
-              <a:t>Descrição</a:t>
-            </a:r>
-            <a:r>
-              <a:rPr lang="pt-BR" sz="1000" dirty="0"/>
-              <a:t>: Permite ao Usuário comum verificar seu próprio histórico de compras no site. </a:t>
-            </a:r>
-            <a:r>
-              <a:rPr lang="pt-BR" sz="1000" dirty="0" smtClean="0"/>
-              <a:t> </a:t>
-            </a:r>
-            <a:endParaRPr lang="pt-BR" sz="1000" dirty="0"/>
-          </a:p>
-          <a:p>
-            <a:r>
-              <a:rPr lang="pt-BR" sz="1000" dirty="0"/>
-              <a:t>Caso de Uso: Restrições de Comida </a:t>
-            </a:r>
-            <a:r>
-              <a:rPr lang="pt-BR" sz="1000" dirty="0" smtClean="0"/>
-              <a:t/>
-            </a:r>
-            <a:br>
-              <a:rPr lang="pt-BR" sz="1000" dirty="0" smtClean="0"/>
-            </a:br>
-            <a:r>
-              <a:rPr lang="pt-BR" sz="1000" dirty="0" smtClean="0"/>
-              <a:t>Ator</a:t>
-            </a:r>
-            <a:r>
-              <a:rPr lang="pt-BR" sz="1000" dirty="0"/>
-              <a:t>: Usuário comum </a:t>
-            </a:r>
-            <a:r>
-              <a:rPr lang="pt-BR" sz="1000" dirty="0" smtClean="0"/>
-              <a:t/>
-            </a:r>
-            <a:br>
-              <a:rPr lang="pt-BR" sz="1000" dirty="0" smtClean="0"/>
-            </a:br>
-            <a:r>
-              <a:rPr lang="pt-BR" sz="1000" dirty="0" smtClean="0"/>
-              <a:t>Descrição</a:t>
-            </a:r>
-            <a:r>
-              <a:rPr lang="pt-BR" sz="1000" dirty="0"/>
-              <a:t>: Caso o Usuário comum tenha algum tipo de alergia ou restrição nutricional (dieta) </a:t>
-            </a:r>
-            <a:r>
-              <a:rPr lang="pt-BR" sz="1000" dirty="0" smtClean="0"/>
-              <a:t>é </a:t>
-            </a:r>
-            <a:r>
-              <a:rPr lang="pt-BR" sz="1000" dirty="0"/>
-              <a:t>possível restringir a seleção de itens da cesta a apenas os itens da sua dieta. </a:t>
-            </a:r>
-          </a:p>
-          <a:p>
-            <a:r>
-              <a:rPr lang="pt-BR" sz="1000" dirty="0"/>
-              <a:t>Caso de Uso: Selecionar cesta </a:t>
-            </a:r>
-            <a:r>
-              <a:rPr lang="pt-BR" sz="1000" dirty="0" smtClean="0"/>
-              <a:t/>
-            </a:r>
-            <a:br>
-              <a:rPr lang="pt-BR" sz="1000" dirty="0" smtClean="0"/>
-            </a:br>
-            <a:r>
-              <a:rPr lang="pt-BR" sz="1000" dirty="0" smtClean="0"/>
-              <a:t>Ator</a:t>
-            </a:r>
-            <a:r>
-              <a:rPr lang="pt-BR" sz="1000" dirty="0"/>
-              <a:t>: Usuário comum </a:t>
-            </a:r>
-            <a:r>
-              <a:rPr lang="pt-BR" sz="1000" dirty="0" smtClean="0"/>
-              <a:t/>
-            </a:r>
-            <a:br>
-              <a:rPr lang="pt-BR" sz="1000" dirty="0" smtClean="0"/>
-            </a:br>
-            <a:r>
-              <a:rPr lang="pt-BR" sz="1000" dirty="0" smtClean="0"/>
-              <a:t>Descrição</a:t>
-            </a:r>
-            <a:r>
-              <a:rPr lang="pt-BR" sz="1000" dirty="0"/>
-              <a:t>: O usuário comum pode escolher uma cesta, para futura compra. </a:t>
-            </a:r>
-          </a:p>
-          <a:p>
-            <a:r>
-              <a:rPr lang="pt-BR" sz="1000" dirty="0"/>
-              <a:t>Caso de Uso: Mostrar itens </a:t>
-            </a:r>
-            <a:r>
-              <a:rPr lang="pt-BR" sz="1000" dirty="0" smtClean="0"/>
-              <a:t/>
-            </a:r>
-            <a:br>
-              <a:rPr lang="pt-BR" sz="1000" dirty="0" smtClean="0"/>
-            </a:br>
-            <a:r>
-              <a:rPr lang="pt-BR" sz="1000" dirty="0" smtClean="0"/>
-              <a:t>Ator</a:t>
-            </a:r>
-            <a:r>
-              <a:rPr lang="pt-BR" sz="1000" dirty="0"/>
-              <a:t>: Sistema </a:t>
-            </a:r>
-            <a:r>
-              <a:rPr lang="pt-BR" sz="1000" dirty="0" smtClean="0"/>
-              <a:t/>
-            </a:r>
-            <a:br>
-              <a:rPr lang="pt-BR" sz="1000" dirty="0" smtClean="0"/>
-            </a:br>
-            <a:r>
-              <a:rPr lang="pt-BR" sz="1000" dirty="0" smtClean="0"/>
-              <a:t>Descrição</a:t>
-            </a:r>
-            <a:r>
-              <a:rPr lang="pt-BR" sz="1000" dirty="0"/>
-              <a:t>: O sistema deve exibir os itens disponíveis para o usuário em uma lista. </a:t>
-            </a:r>
-            <a:r>
-              <a:rPr lang="pt-BR" sz="1000" dirty="0" smtClean="0"/>
-              <a:t> </a:t>
-            </a:r>
-            <a:endParaRPr lang="pt-BR" sz="1000" dirty="0"/>
-          </a:p>
-          <a:p>
-            <a:r>
-              <a:rPr lang="pt-BR" sz="1000" dirty="0"/>
-              <a:t>Caso de Uso: Selecionar itens </a:t>
-            </a:r>
-            <a:r>
-              <a:rPr lang="pt-BR" sz="1000" dirty="0" smtClean="0"/>
-              <a:t/>
-            </a:r>
-            <a:br>
-              <a:rPr lang="pt-BR" sz="1000" dirty="0" smtClean="0"/>
-            </a:br>
-            <a:r>
-              <a:rPr lang="pt-BR" sz="1000" dirty="0" smtClean="0"/>
-              <a:t>Ator</a:t>
-            </a:r>
-            <a:r>
-              <a:rPr lang="pt-BR" sz="1000" dirty="0"/>
-              <a:t>: Usuário comum </a:t>
-            </a:r>
-            <a:r>
-              <a:rPr lang="pt-BR" sz="1000" dirty="0" smtClean="0"/>
-              <a:t/>
-            </a:r>
-            <a:br>
-              <a:rPr lang="pt-BR" sz="1000" dirty="0" smtClean="0"/>
-            </a:br>
-            <a:r>
-              <a:rPr lang="pt-BR" sz="1000" dirty="0" smtClean="0"/>
-              <a:t>Descrição</a:t>
-            </a:r>
-            <a:r>
-              <a:rPr lang="pt-BR" sz="1000" dirty="0"/>
-              <a:t>: Para continuar o processo de compra o Usuário comum deve selecionar itens da </a:t>
-            </a:r>
-            <a:r>
-              <a:rPr lang="pt-BR" sz="1000" dirty="0" smtClean="0"/>
-              <a:t>lista </a:t>
-            </a:r>
-            <a:r>
-              <a:rPr lang="pt-BR" sz="1000" dirty="0"/>
-              <a:t>exibida. </a:t>
-            </a:r>
-          </a:p>
-          <a:p>
-            <a:r>
-              <a:rPr lang="pt-BR" sz="1000" dirty="0"/>
-              <a:t>Caso de Uso: Exibir cestas montadas </a:t>
-            </a:r>
-            <a:r>
-              <a:rPr lang="pt-BR" sz="1000" dirty="0" smtClean="0"/>
-              <a:t/>
-            </a:r>
-            <a:br>
-              <a:rPr lang="pt-BR" sz="1000" dirty="0" smtClean="0"/>
-            </a:br>
-            <a:r>
-              <a:rPr lang="pt-BR" sz="1000" dirty="0" smtClean="0"/>
-              <a:t>Ator</a:t>
-            </a:r>
-            <a:r>
-              <a:rPr lang="pt-BR" sz="1000" dirty="0"/>
-              <a:t>: Sistema </a:t>
-            </a:r>
-            <a:r>
-              <a:rPr lang="pt-BR" sz="1000" dirty="0" smtClean="0"/>
-              <a:t/>
-            </a:r>
-            <a:br>
-              <a:rPr lang="pt-BR" sz="1000" dirty="0" smtClean="0"/>
-            </a:br>
-            <a:r>
-              <a:rPr lang="pt-BR" sz="1000" dirty="0" smtClean="0"/>
-              <a:t>Descrição</a:t>
-            </a:r>
-            <a:r>
-              <a:rPr lang="pt-BR" sz="1000" dirty="0"/>
-              <a:t>: O sistema deve exibir a cesta montada pelo Usuário comum com os itens por ele </a:t>
-            </a:r>
-            <a:r>
-              <a:rPr lang="pt-BR" sz="1000" dirty="0" smtClean="0"/>
-              <a:t>escolhidos</a:t>
-            </a:r>
-            <a:r>
-              <a:rPr lang="pt-BR" sz="1000" dirty="0"/>
-              <a:t>. </a:t>
-            </a:r>
-          </a:p>
-          <a:p>
-            <a:r>
-              <a:rPr lang="pt-BR" sz="1000" dirty="0"/>
-              <a:t>Caso de Uso: Pagamento </a:t>
-            </a:r>
-            <a:r>
-              <a:rPr lang="pt-BR" sz="1000" dirty="0" smtClean="0"/>
-              <a:t/>
-            </a:r>
-            <a:br>
-              <a:rPr lang="pt-BR" sz="1000" dirty="0" smtClean="0"/>
-            </a:br>
-            <a:r>
-              <a:rPr lang="pt-BR" sz="1000" dirty="0" smtClean="0"/>
-              <a:t>Ator</a:t>
-            </a:r>
-            <a:r>
-              <a:rPr lang="pt-BR" sz="1000" dirty="0"/>
-              <a:t>: Usuário comum </a:t>
-            </a:r>
-            <a:r>
-              <a:rPr lang="pt-BR" sz="1000" dirty="0" smtClean="0"/>
-              <a:t/>
-            </a:r>
-            <a:br>
-              <a:rPr lang="pt-BR" sz="1000" dirty="0" smtClean="0"/>
-            </a:br>
-            <a:r>
-              <a:rPr lang="pt-BR" sz="1000" dirty="0" smtClean="0"/>
-              <a:t>Descrição</a:t>
-            </a:r>
-            <a:r>
-              <a:rPr lang="pt-BR" sz="1000" dirty="0"/>
-              <a:t>: O usuário efetua a compra, realizando o pagamento feito externamente.</a:t>
-            </a:r>
-            <a:endParaRPr lang="pt-BR" sz="1000" dirty="0"/>
-          </a:p>
-        </p:txBody>
-      </p:sp>
+      </p:pic>
     </p:spTree>
     <p:extLst>
       <p:ext uri="{BB962C8B-B14F-4D97-AF65-F5344CB8AC3E}">
-        <p14:creationId xmlns:p14="http://schemas.microsoft.com/office/powerpoint/2010/main" val="3089740947"/>
+        <p14:creationId xmlns:p14="http://schemas.microsoft.com/office/powerpoint/2010/main" val="2890008881"/>
       </p:ext>
     </p:extLst>
   </p:cSld>
@@ -7218,6 +6487,848 @@
             <p:ph type="title"/>
           </p:nvPr>
         </p:nvSpPr>
+        <p:spPr>
+          <a:xfrm>
+            <a:off x="1131885" y="-152399"/>
+            <a:ext cx="6070919" cy="834390"/>
+          </a:xfrm>
+        </p:spPr>
+        <p:txBody>
+          <a:bodyPr/>
+          <a:lstStyle/>
+          <a:p>
+            <a:r>
+              <a:rPr lang="pt-BR" dirty="0" smtClean="0"/>
+              <a:t>Visão geral dos casos de uso</a:t>
+            </a:r>
+            <a:endParaRPr lang="pt-BR" dirty="0"/>
+          </a:p>
+        </p:txBody>
+      </p:sp>
+      <p:sp>
+        <p:nvSpPr>
+          <p:cNvPr id="3" name="Espaço Reservado para Conteúdo 2"/>
+          <p:cNvSpPr>
+            <a:spLocks noGrp="1"/>
+          </p:cNvSpPr>
+          <p:nvPr>
+            <p:ph idx="1"/>
+          </p:nvPr>
+        </p:nvSpPr>
+        <p:spPr>
+          <a:xfrm>
+            <a:off x="2157709" y="1190801"/>
+            <a:ext cx="10002840" cy="5052059"/>
+          </a:xfrm>
+        </p:spPr>
+        <p:txBody>
+          <a:bodyPr numCol="2">
+            <a:noAutofit/>
+          </a:bodyPr>
+          <a:lstStyle/>
+          <a:p>
+            <a:r>
+              <a:rPr lang="pt-BR" sz="1000" dirty="0"/>
+              <a:t>Caso de Uso: Adicionar Item </a:t>
+            </a:r>
+            <a:r>
+              <a:rPr lang="pt-BR" sz="1000" dirty="0" smtClean="0"/>
+              <a:t/>
+            </a:r>
+            <a:br>
+              <a:rPr lang="pt-BR" sz="1000" dirty="0" smtClean="0"/>
+            </a:br>
+            <a:r>
+              <a:rPr lang="pt-BR" sz="1000" dirty="0" smtClean="0"/>
+              <a:t>Ator</a:t>
+            </a:r>
+            <a:r>
+              <a:rPr lang="pt-BR" sz="1000" dirty="0"/>
+              <a:t>: Administrador </a:t>
+            </a:r>
+            <a:r>
+              <a:rPr lang="pt-BR" sz="1000" dirty="0" smtClean="0"/>
+              <a:t/>
+            </a:r>
+            <a:br>
+              <a:rPr lang="pt-BR" sz="1000" dirty="0" smtClean="0"/>
+            </a:br>
+            <a:r>
+              <a:rPr lang="pt-BR" sz="1000" dirty="0" smtClean="0"/>
+              <a:t>Descrição</a:t>
+            </a:r>
+            <a:r>
+              <a:rPr lang="pt-BR" sz="1000" dirty="0"/>
+              <a:t>: Permite ao administrador adicionar itens novos ao estoque.  </a:t>
+            </a:r>
+          </a:p>
+          <a:p>
+            <a:r>
+              <a:rPr lang="pt-BR" sz="1000" dirty="0"/>
+              <a:t>Caso de Uso: Mudar senha da conta </a:t>
+            </a:r>
+            <a:r>
+              <a:rPr lang="pt-BR" sz="1000" dirty="0" smtClean="0"/>
+              <a:t/>
+            </a:r>
+            <a:br>
+              <a:rPr lang="pt-BR" sz="1000" dirty="0" smtClean="0"/>
+            </a:br>
+            <a:r>
+              <a:rPr lang="pt-BR" sz="1000" dirty="0" smtClean="0"/>
+              <a:t>Ator</a:t>
+            </a:r>
+            <a:r>
+              <a:rPr lang="pt-BR" sz="1000" dirty="0"/>
+              <a:t>: Administrador </a:t>
+            </a:r>
+            <a:r>
+              <a:rPr lang="pt-BR" sz="1000" dirty="0" smtClean="0"/>
+              <a:t/>
+            </a:r>
+            <a:br>
+              <a:rPr lang="pt-BR" sz="1000" dirty="0" smtClean="0"/>
+            </a:br>
+            <a:r>
+              <a:rPr lang="pt-BR" sz="1000" dirty="0" smtClean="0"/>
+              <a:t>Descrição</a:t>
+            </a:r>
+            <a:r>
+              <a:rPr lang="pt-BR" sz="1000" dirty="0"/>
+              <a:t>: O administrador pode mudar a senha da própria conta de administrador </a:t>
+            </a:r>
+          </a:p>
+          <a:p>
+            <a:r>
+              <a:rPr lang="pt-BR" sz="1000" dirty="0"/>
+              <a:t>Caso de Uso: Listar itens </a:t>
+            </a:r>
+            <a:r>
+              <a:rPr lang="pt-BR" sz="1000" dirty="0" smtClean="0"/>
+              <a:t/>
+            </a:r>
+            <a:br>
+              <a:rPr lang="pt-BR" sz="1000" dirty="0" smtClean="0"/>
+            </a:br>
+            <a:r>
+              <a:rPr lang="pt-BR" sz="1000" dirty="0" smtClean="0"/>
+              <a:t>Ator</a:t>
+            </a:r>
+            <a:r>
+              <a:rPr lang="pt-BR" sz="1000" dirty="0"/>
+              <a:t>: Administrador </a:t>
+            </a:r>
+            <a:r>
+              <a:rPr lang="pt-BR" sz="1000" dirty="0" smtClean="0"/>
+              <a:t/>
+            </a:r>
+            <a:br>
+              <a:rPr lang="pt-BR" sz="1000" dirty="0" smtClean="0"/>
+            </a:br>
+            <a:r>
+              <a:rPr lang="pt-BR" sz="1000" dirty="0" smtClean="0"/>
+              <a:t>Descrição</a:t>
+            </a:r>
+            <a:r>
+              <a:rPr lang="pt-BR" sz="1000" dirty="0"/>
+              <a:t>: Permite ao administrador listar todos os itens do estoque para verificação de </a:t>
+            </a:r>
+            <a:r>
+              <a:rPr lang="pt-BR" sz="1000" dirty="0" smtClean="0"/>
+              <a:t>quantidades</a:t>
+            </a:r>
+            <a:r>
+              <a:rPr lang="pt-BR" sz="1000" dirty="0"/>
+              <a:t>. </a:t>
+            </a:r>
+          </a:p>
+          <a:p>
+            <a:r>
+              <a:rPr lang="pt-BR" sz="1000" dirty="0"/>
+              <a:t>Caso de Uso: Remover Itens </a:t>
+            </a:r>
+            <a:br>
+              <a:rPr lang="pt-BR" sz="1000" dirty="0"/>
+            </a:br>
+            <a:r>
+              <a:rPr lang="pt-BR" sz="1000" dirty="0" smtClean="0"/>
+              <a:t>Ator</a:t>
+            </a:r>
+            <a:r>
+              <a:rPr lang="pt-BR" sz="1000" dirty="0"/>
+              <a:t>: Administrador </a:t>
+            </a:r>
+            <a:r>
+              <a:rPr lang="pt-BR" sz="1000" dirty="0" smtClean="0"/>
+              <a:t/>
+            </a:r>
+            <a:br>
+              <a:rPr lang="pt-BR" sz="1000" dirty="0" smtClean="0"/>
+            </a:br>
+            <a:r>
+              <a:rPr lang="pt-BR" sz="1000" dirty="0" smtClean="0"/>
+              <a:t>Descrição</a:t>
+            </a:r>
+            <a:r>
+              <a:rPr lang="pt-BR" sz="1000" dirty="0"/>
+              <a:t>: O administrador pode remover itens que estão disponíveis na lista do estoque. </a:t>
+            </a:r>
+          </a:p>
+          <a:p>
+            <a:r>
+              <a:rPr lang="pt-BR" sz="1000" dirty="0"/>
+              <a:t>Caso de Uso: Editar itens </a:t>
+            </a:r>
+            <a:r>
+              <a:rPr lang="pt-BR" sz="1000" dirty="0" smtClean="0"/>
+              <a:t/>
+            </a:r>
+            <a:br>
+              <a:rPr lang="pt-BR" sz="1000" dirty="0" smtClean="0"/>
+            </a:br>
+            <a:r>
+              <a:rPr lang="pt-BR" sz="1000" dirty="0" smtClean="0"/>
+              <a:t>Ator</a:t>
+            </a:r>
+            <a:r>
+              <a:rPr lang="pt-BR" sz="1000" dirty="0"/>
+              <a:t>: Administrador </a:t>
+            </a:r>
+            <a:r>
+              <a:rPr lang="pt-BR" sz="1000" dirty="0" smtClean="0"/>
+              <a:t/>
+            </a:r>
+            <a:br>
+              <a:rPr lang="pt-BR" sz="1000" dirty="0" smtClean="0"/>
+            </a:br>
+            <a:r>
+              <a:rPr lang="pt-BR" sz="1000" dirty="0" smtClean="0"/>
+              <a:t>Descrição</a:t>
+            </a:r>
+            <a:r>
+              <a:rPr lang="pt-BR" sz="1000" dirty="0"/>
+              <a:t>: Permite ao administrador editar quaisquer itens que estão presentes no estoque. </a:t>
+            </a:r>
+          </a:p>
+          <a:p>
+            <a:r>
+              <a:rPr lang="pt-BR" sz="1000" dirty="0"/>
+              <a:t>Caso de Uso: Cadastrar cestas </a:t>
+            </a:r>
+            <a:r>
+              <a:rPr lang="pt-BR" sz="1000" dirty="0" smtClean="0"/>
+              <a:t/>
+            </a:r>
+            <a:br>
+              <a:rPr lang="pt-BR" sz="1000" dirty="0" smtClean="0"/>
+            </a:br>
+            <a:r>
+              <a:rPr lang="pt-BR" sz="1000" dirty="0" smtClean="0"/>
+              <a:t>Ator</a:t>
+            </a:r>
+            <a:r>
+              <a:rPr lang="pt-BR" sz="1000" dirty="0"/>
+              <a:t>: Administrador </a:t>
+            </a:r>
+            <a:r>
+              <a:rPr lang="pt-BR" sz="1000" dirty="0" smtClean="0"/>
+              <a:t/>
+            </a:r>
+            <a:br>
+              <a:rPr lang="pt-BR" sz="1000" dirty="0" smtClean="0"/>
+            </a:br>
+            <a:r>
+              <a:rPr lang="pt-BR" sz="1000" dirty="0" smtClean="0"/>
+              <a:t>Descrição</a:t>
+            </a:r>
+            <a:r>
+              <a:rPr lang="pt-BR" sz="1000" dirty="0"/>
+              <a:t>: O administrador pode cadastrar novos tipos de cestas, a atual lista de cestas. </a:t>
+            </a:r>
+          </a:p>
+          <a:p>
+            <a:r>
+              <a:rPr lang="pt-BR" sz="1000" dirty="0"/>
+              <a:t>Caso de Uso: Listar cestas </a:t>
+            </a:r>
+            <a:r>
+              <a:rPr lang="pt-BR" sz="1000" dirty="0" smtClean="0"/>
+              <a:t/>
+            </a:r>
+            <a:br>
+              <a:rPr lang="pt-BR" sz="1000" dirty="0" smtClean="0"/>
+            </a:br>
+            <a:r>
+              <a:rPr lang="pt-BR" sz="1000" dirty="0" smtClean="0"/>
+              <a:t>Ator</a:t>
+            </a:r>
+            <a:r>
+              <a:rPr lang="pt-BR" sz="1000" dirty="0"/>
+              <a:t>: Administrador </a:t>
+            </a:r>
+            <a:r>
+              <a:rPr lang="pt-BR" sz="1000" dirty="0" smtClean="0"/>
+              <a:t/>
+            </a:r>
+            <a:br>
+              <a:rPr lang="pt-BR" sz="1000" dirty="0" smtClean="0"/>
+            </a:br>
+            <a:r>
+              <a:rPr lang="pt-BR" sz="1000" dirty="0" smtClean="0"/>
+              <a:t>Descrição</a:t>
+            </a:r>
+            <a:r>
+              <a:rPr lang="pt-BR" sz="1000" dirty="0"/>
+              <a:t>: O administrador pode listar todos os tipos de cestas disponíveis atualmente. </a:t>
+            </a:r>
+          </a:p>
+          <a:p>
+            <a:r>
+              <a:rPr lang="pt-BR" sz="1000" dirty="0"/>
+              <a:t>Caso de Uso: Deletar cestas </a:t>
+            </a:r>
+            <a:r>
+              <a:rPr lang="pt-BR" sz="1000" dirty="0" smtClean="0"/>
+              <a:t/>
+            </a:r>
+            <a:br>
+              <a:rPr lang="pt-BR" sz="1000" dirty="0" smtClean="0"/>
+            </a:br>
+            <a:r>
+              <a:rPr lang="pt-BR" sz="1000" dirty="0" smtClean="0"/>
+              <a:t>Ator</a:t>
+            </a:r>
+            <a:r>
+              <a:rPr lang="pt-BR" sz="1000" dirty="0"/>
+              <a:t>: Administrador </a:t>
+            </a:r>
+            <a:r>
+              <a:rPr lang="pt-BR" sz="1000" dirty="0" smtClean="0"/>
+              <a:t/>
+            </a:r>
+            <a:br>
+              <a:rPr lang="pt-BR" sz="1000" dirty="0" smtClean="0"/>
+            </a:br>
+            <a:r>
+              <a:rPr lang="pt-BR" sz="1000" dirty="0" smtClean="0"/>
+              <a:t>Descrição</a:t>
+            </a:r>
+            <a:r>
+              <a:rPr lang="pt-BR" sz="1000" dirty="0"/>
+              <a:t>: Permite ao administrador remover tipos de cestas disponíveis no sistema. </a:t>
+            </a:r>
+          </a:p>
+          <a:p>
+            <a:r>
+              <a:rPr lang="pt-BR" sz="1000" dirty="0"/>
+              <a:t>Caso de Uso: Consultar relatórios </a:t>
+            </a:r>
+            <a:r>
+              <a:rPr lang="pt-BR" sz="1000" dirty="0" smtClean="0"/>
+              <a:t/>
+            </a:r>
+            <a:br>
+              <a:rPr lang="pt-BR" sz="1000" dirty="0" smtClean="0"/>
+            </a:br>
+            <a:r>
+              <a:rPr lang="pt-BR" sz="1000" dirty="0" smtClean="0"/>
+              <a:t>Ator</a:t>
+            </a:r>
+            <a:r>
+              <a:rPr lang="pt-BR" sz="1000" dirty="0"/>
+              <a:t>: Administrador </a:t>
+            </a:r>
+            <a:r>
+              <a:rPr lang="pt-BR" sz="1000" dirty="0" smtClean="0"/>
+              <a:t/>
+            </a:r>
+            <a:br>
+              <a:rPr lang="pt-BR" sz="1000" dirty="0" smtClean="0"/>
+            </a:br>
+            <a:r>
+              <a:rPr lang="pt-BR" sz="1000" dirty="0" smtClean="0"/>
+              <a:t>Descrição</a:t>
+            </a:r>
+            <a:r>
+              <a:rPr lang="pt-BR" sz="1000" dirty="0"/>
+              <a:t>: O administrador pode consultar um relatório, contendo todas as cestas vendidas </a:t>
+            </a:r>
+            <a:r>
+              <a:rPr lang="pt-BR" sz="1000" dirty="0" smtClean="0"/>
+              <a:t>no </a:t>
+            </a:r>
+            <a:r>
+              <a:rPr lang="pt-BR" sz="1000" dirty="0"/>
+              <a:t>site, de todos os usuários.  </a:t>
+            </a:r>
+          </a:p>
+          <a:p>
+            <a:r>
+              <a:rPr lang="pt-BR" sz="1000" dirty="0"/>
+              <a:t>Caso de Uso: Consultar usuários </a:t>
+            </a:r>
+            <a:r>
+              <a:rPr lang="pt-BR" sz="1000" dirty="0" smtClean="0"/>
+              <a:t/>
+            </a:r>
+            <a:br>
+              <a:rPr lang="pt-BR" sz="1000" dirty="0" smtClean="0"/>
+            </a:br>
+            <a:r>
+              <a:rPr lang="pt-BR" sz="1000" dirty="0" smtClean="0"/>
+              <a:t>Ator</a:t>
+            </a:r>
+            <a:r>
+              <a:rPr lang="pt-BR" sz="1000" dirty="0"/>
+              <a:t>: Administrador </a:t>
+            </a:r>
+            <a:r>
+              <a:rPr lang="pt-BR" sz="1000" dirty="0" smtClean="0"/>
+              <a:t/>
+            </a:r>
+            <a:br>
+              <a:rPr lang="pt-BR" sz="1000" dirty="0" smtClean="0"/>
+            </a:br>
+            <a:r>
+              <a:rPr lang="pt-BR" sz="1000" dirty="0" smtClean="0"/>
+              <a:t>Descrição</a:t>
+            </a:r>
+            <a:r>
+              <a:rPr lang="pt-BR" sz="1000" dirty="0"/>
+              <a:t>: Permite ao administrador consultar dados como por exemplo nome, endereço e </a:t>
+            </a:r>
+            <a:r>
+              <a:rPr lang="pt-BR" sz="1000" dirty="0" smtClean="0"/>
+              <a:t>telefone </a:t>
+            </a:r>
+            <a:r>
+              <a:rPr lang="pt-BR" sz="1000" dirty="0"/>
+              <a:t>de todos os usuários cadastrados. </a:t>
+            </a:r>
+          </a:p>
+          <a:p>
+            <a:r>
+              <a:rPr lang="pt-BR" sz="1000" dirty="0"/>
+              <a:t>Caso de Uso: Listar cestas </a:t>
+            </a:r>
+            <a:r>
+              <a:rPr lang="pt-BR" sz="1000" dirty="0" smtClean="0"/>
+              <a:t/>
+            </a:r>
+            <a:br>
+              <a:rPr lang="pt-BR" sz="1000" dirty="0" smtClean="0"/>
+            </a:br>
+            <a:r>
+              <a:rPr lang="pt-BR" sz="1000" dirty="0" smtClean="0"/>
+              <a:t>Ator</a:t>
+            </a:r>
+            <a:r>
+              <a:rPr lang="pt-BR" sz="1000" dirty="0"/>
+              <a:t>: Administrador </a:t>
+            </a:r>
+            <a:r>
+              <a:rPr lang="pt-BR" sz="1000" dirty="0" smtClean="0"/>
+              <a:t/>
+            </a:r>
+            <a:br>
+              <a:rPr lang="pt-BR" sz="1000" dirty="0" smtClean="0"/>
+            </a:br>
+            <a:r>
+              <a:rPr lang="pt-BR" sz="1000" dirty="0" smtClean="0"/>
+              <a:t>Descrição</a:t>
+            </a:r>
+            <a:r>
+              <a:rPr lang="pt-BR" sz="1000" dirty="0"/>
+              <a:t>: O sistema deve enviar um e-mail ao usuário que solicitou aluguel quando o dono </a:t>
+            </a:r>
+            <a:r>
+              <a:rPr lang="pt-BR" sz="1000" dirty="0" smtClean="0"/>
+              <a:t>do </a:t>
+            </a:r>
+            <a:r>
+              <a:rPr lang="pt-BR" sz="1000" dirty="0"/>
+              <a:t>item aceitou ou recusou seu pedido. </a:t>
+            </a:r>
+          </a:p>
+          <a:p>
+            <a:r>
+              <a:rPr lang="pt-BR" sz="1000" dirty="0"/>
+              <a:t>Caso de Uso: Cadastrar e editar conta </a:t>
+            </a:r>
+            <a:r>
+              <a:rPr lang="pt-BR" sz="1000" dirty="0" smtClean="0"/>
+              <a:t/>
+            </a:r>
+            <a:br>
+              <a:rPr lang="pt-BR" sz="1000" dirty="0" smtClean="0"/>
+            </a:br>
+            <a:r>
+              <a:rPr lang="pt-BR" sz="1000" dirty="0" smtClean="0"/>
+              <a:t>Ator</a:t>
+            </a:r>
+            <a:r>
+              <a:rPr lang="pt-BR" sz="1000" dirty="0"/>
+              <a:t>: Usuário comum </a:t>
+            </a:r>
+            <a:r>
+              <a:rPr lang="pt-BR" sz="1000" dirty="0" smtClean="0"/>
+              <a:t/>
+            </a:r>
+            <a:br>
+              <a:rPr lang="pt-BR" sz="1000" dirty="0" smtClean="0"/>
+            </a:br>
+            <a:r>
+              <a:rPr lang="pt-BR" sz="1000" dirty="0" smtClean="0"/>
+              <a:t>Descrição</a:t>
+            </a:r>
+            <a:r>
+              <a:rPr lang="pt-BR" sz="1000" dirty="0"/>
+              <a:t>: O usuário comum deve poder se cadastrar no site, e ter poder de alterar os dados </a:t>
+            </a:r>
+            <a:r>
+              <a:rPr lang="pt-BR" sz="1000" dirty="0" smtClean="0"/>
+              <a:t>cadastrais </a:t>
+            </a:r>
+            <a:r>
+              <a:rPr lang="pt-BR" sz="1000" dirty="0"/>
+              <a:t>da própria conta. </a:t>
+            </a:r>
+          </a:p>
+          <a:p>
+            <a:r>
+              <a:rPr lang="pt-BR" sz="1000" dirty="0"/>
+              <a:t>Caso de Uso: Histórico de compra </a:t>
+            </a:r>
+            <a:r>
+              <a:rPr lang="pt-BR" sz="1000" dirty="0" smtClean="0"/>
+              <a:t/>
+            </a:r>
+            <a:br>
+              <a:rPr lang="pt-BR" sz="1000" dirty="0" smtClean="0"/>
+            </a:br>
+            <a:r>
+              <a:rPr lang="pt-BR" sz="1000" dirty="0" smtClean="0"/>
+              <a:t>Ator</a:t>
+            </a:r>
+            <a:r>
+              <a:rPr lang="pt-BR" sz="1000" dirty="0"/>
+              <a:t>: Usuário comum </a:t>
+            </a:r>
+            <a:r>
+              <a:rPr lang="pt-BR" sz="1000" dirty="0" smtClean="0"/>
+              <a:t/>
+            </a:r>
+            <a:br>
+              <a:rPr lang="pt-BR" sz="1000" dirty="0" smtClean="0"/>
+            </a:br>
+            <a:r>
+              <a:rPr lang="pt-BR" sz="1000" dirty="0" smtClean="0"/>
+              <a:t>Descrição</a:t>
+            </a:r>
+            <a:r>
+              <a:rPr lang="pt-BR" sz="1000" dirty="0"/>
+              <a:t>: Permite ao Usuário comum verificar seu próprio histórico de compras no site. </a:t>
+            </a:r>
+            <a:r>
+              <a:rPr lang="pt-BR" sz="1000" dirty="0" smtClean="0"/>
+              <a:t> </a:t>
+            </a:r>
+            <a:endParaRPr lang="pt-BR" sz="1000" dirty="0"/>
+          </a:p>
+          <a:p>
+            <a:r>
+              <a:rPr lang="pt-BR" sz="1000" dirty="0"/>
+              <a:t>Caso de Uso: Restrições de Comida </a:t>
+            </a:r>
+            <a:r>
+              <a:rPr lang="pt-BR" sz="1000" dirty="0" smtClean="0"/>
+              <a:t/>
+            </a:r>
+            <a:br>
+              <a:rPr lang="pt-BR" sz="1000" dirty="0" smtClean="0"/>
+            </a:br>
+            <a:r>
+              <a:rPr lang="pt-BR" sz="1000" dirty="0" smtClean="0"/>
+              <a:t>Ator</a:t>
+            </a:r>
+            <a:r>
+              <a:rPr lang="pt-BR" sz="1000" dirty="0"/>
+              <a:t>: Usuário comum </a:t>
+            </a:r>
+            <a:r>
+              <a:rPr lang="pt-BR" sz="1000" dirty="0" smtClean="0"/>
+              <a:t/>
+            </a:r>
+            <a:br>
+              <a:rPr lang="pt-BR" sz="1000" dirty="0" smtClean="0"/>
+            </a:br>
+            <a:r>
+              <a:rPr lang="pt-BR" sz="1000" dirty="0" smtClean="0"/>
+              <a:t>Descrição</a:t>
+            </a:r>
+            <a:r>
+              <a:rPr lang="pt-BR" sz="1000" dirty="0"/>
+              <a:t>: Caso o Usuário comum tenha algum tipo de alergia ou restrição nutricional (dieta) </a:t>
+            </a:r>
+            <a:r>
+              <a:rPr lang="pt-BR" sz="1000" dirty="0" smtClean="0"/>
+              <a:t>é </a:t>
+            </a:r>
+            <a:r>
+              <a:rPr lang="pt-BR" sz="1000" dirty="0"/>
+              <a:t>possível restringir a seleção de itens da cesta a apenas os itens da sua dieta. </a:t>
+            </a:r>
+          </a:p>
+          <a:p>
+            <a:r>
+              <a:rPr lang="pt-BR" sz="1000" dirty="0"/>
+              <a:t>Caso de Uso: Selecionar cesta </a:t>
+            </a:r>
+            <a:r>
+              <a:rPr lang="pt-BR" sz="1000" dirty="0" smtClean="0"/>
+              <a:t/>
+            </a:r>
+            <a:br>
+              <a:rPr lang="pt-BR" sz="1000" dirty="0" smtClean="0"/>
+            </a:br>
+            <a:r>
+              <a:rPr lang="pt-BR" sz="1000" dirty="0" smtClean="0"/>
+              <a:t>Ator</a:t>
+            </a:r>
+            <a:r>
+              <a:rPr lang="pt-BR" sz="1000" dirty="0"/>
+              <a:t>: Usuário comum </a:t>
+            </a:r>
+            <a:r>
+              <a:rPr lang="pt-BR" sz="1000" dirty="0" smtClean="0"/>
+              <a:t/>
+            </a:r>
+            <a:br>
+              <a:rPr lang="pt-BR" sz="1000" dirty="0" smtClean="0"/>
+            </a:br>
+            <a:r>
+              <a:rPr lang="pt-BR" sz="1000" dirty="0" smtClean="0"/>
+              <a:t>Descrição</a:t>
+            </a:r>
+            <a:r>
+              <a:rPr lang="pt-BR" sz="1000" dirty="0"/>
+              <a:t>: O usuário comum pode escolher uma cesta, para futura compra. </a:t>
+            </a:r>
+          </a:p>
+          <a:p>
+            <a:r>
+              <a:rPr lang="pt-BR" sz="1000" dirty="0"/>
+              <a:t>Caso de Uso: Mostrar itens </a:t>
+            </a:r>
+            <a:r>
+              <a:rPr lang="pt-BR" sz="1000" dirty="0" smtClean="0"/>
+              <a:t/>
+            </a:r>
+            <a:br>
+              <a:rPr lang="pt-BR" sz="1000" dirty="0" smtClean="0"/>
+            </a:br>
+            <a:r>
+              <a:rPr lang="pt-BR" sz="1000" dirty="0" smtClean="0"/>
+              <a:t>Ator</a:t>
+            </a:r>
+            <a:r>
+              <a:rPr lang="pt-BR" sz="1000" dirty="0"/>
+              <a:t>: Sistema </a:t>
+            </a:r>
+            <a:r>
+              <a:rPr lang="pt-BR" sz="1000" dirty="0" smtClean="0"/>
+              <a:t/>
+            </a:r>
+            <a:br>
+              <a:rPr lang="pt-BR" sz="1000" dirty="0" smtClean="0"/>
+            </a:br>
+            <a:r>
+              <a:rPr lang="pt-BR" sz="1000" dirty="0" smtClean="0"/>
+              <a:t>Descrição</a:t>
+            </a:r>
+            <a:r>
+              <a:rPr lang="pt-BR" sz="1000" dirty="0"/>
+              <a:t>: O sistema deve exibir os itens disponíveis para o usuário em uma lista. </a:t>
+            </a:r>
+            <a:r>
+              <a:rPr lang="pt-BR" sz="1000" dirty="0" smtClean="0"/>
+              <a:t> </a:t>
+            </a:r>
+            <a:endParaRPr lang="pt-BR" sz="1000" dirty="0"/>
+          </a:p>
+          <a:p>
+            <a:r>
+              <a:rPr lang="pt-BR" sz="1000" dirty="0"/>
+              <a:t>Caso de Uso: Selecionar itens </a:t>
+            </a:r>
+            <a:r>
+              <a:rPr lang="pt-BR" sz="1000" dirty="0" smtClean="0"/>
+              <a:t/>
+            </a:r>
+            <a:br>
+              <a:rPr lang="pt-BR" sz="1000" dirty="0" smtClean="0"/>
+            </a:br>
+            <a:r>
+              <a:rPr lang="pt-BR" sz="1000" dirty="0" smtClean="0"/>
+              <a:t>Ator</a:t>
+            </a:r>
+            <a:r>
+              <a:rPr lang="pt-BR" sz="1000" dirty="0"/>
+              <a:t>: Usuário comum </a:t>
+            </a:r>
+            <a:r>
+              <a:rPr lang="pt-BR" sz="1000" dirty="0" smtClean="0"/>
+              <a:t/>
+            </a:r>
+            <a:br>
+              <a:rPr lang="pt-BR" sz="1000" dirty="0" smtClean="0"/>
+            </a:br>
+            <a:r>
+              <a:rPr lang="pt-BR" sz="1000" dirty="0" smtClean="0"/>
+              <a:t>Descrição</a:t>
+            </a:r>
+            <a:r>
+              <a:rPr lang="pt-BR" sz="1000" dirty="0"/>
+              <a:t>: Para continuar o processo de compra o Usuário comum deve selecionar itens da </a:t>
+            </a:r>
+            <a:r>
+              <a:rPr lang="pt-BR" sz="1000" dirty="0" smtClean="0"/>
+              <a:t>lista </a:t>
+            </a:r>
+            <a:r>
+              <a:rPr lang="pt-BR" sz="1000" dirty="0"/>
+              <a:t>exibida. </a:t>
+            </a:r>
+          </a:p>
+          <a:p>
+            <a:r>
+              <a:rPr lang="pt-BR" sz="1000" dirty="0"/>
+              <a:t>Caso de Uso: Exibir cestas montadas </a:t>
+            </a:r>
+            <a:r>
+              <a:rPr lang="pt-BR" sz="1000" dirty="0" smtClean="0"/>
+              <a:t/>
+            </a:r>
+            <a:br>
+              <a:rPr lang="pt-BR" sz="1000" dirty="0" smtClean="0"/>
+            </a:br>
+            <a:r>
+              <a:rPr lang="pt-BR" sz="1000" dirty="0" smtClean="0"/>
+              <a:t>Ator</a:t>
+            </a:r>
+            <a:r>
+              <a:rPr lang="pt-BR" sz="1000" dirty="0"/>
+              <a:t>: Sistema </a:t>
+            </a:r>
+            <a:r>
+              <a:rPr lang="pt-BR" sz="1000" dirty="0" smtClean="0"/>
+              <a:t/>
+            </a:r>
+            <a:br>
+              <a:rPr lang="pt-BR" sz="1000" dirty="0" smtClean="0"/>
+            </a:br>
+            <a:r>
+              <a:rPr lang="pt-BR" sz="1000" dirty="0" smtClean="0"/>
+              <a:t>Descrição</a:t>
+            </a:r>
+            <a:r>
+              <a:rPr lang="pt-BR" sz="1000" dirty="0"/>
+              <a:t>: O sistema deve exibir a cesta montada pelo Usuário comum com os itens por ele </a:t>
+            </a:r>
+            <a:r>
+              <a:rPr lang="pt-BR" sz="1000" dirty="0" smtClean="0"/>
+              <a:t>escolhidos</a:t>
+            </a:r>
+            <a:r>
+              <a:rPr lang="pt-BR" sz="1000" dirty="0"/>
+              <a:t>. </a:t>
+            </a:r>
+          </a:p>
+          <a:p>
+            <a:r>
+              <a:rPr lang="pt-BR" sz="1000" dirty="0"/>
+              <a:t>Caso de Uso: Pagamento </a:t>
+            </a:r>
+            <a:r>
+              <a:rPr lang="pt-BR" sz="1000" dirty="0" smtClean="0"/>
+              <a:t/>
+            </a:r>
+            <a:br>
+              <a:rPr lang="pt-BR" sz="1000" dirty="0" smtClean="0"/>
+            </a:br>
+            <a:r>
+              <a:rPr lang="pt-BR" sz="1000" dirty="0" smtClean="0"/>
+              <a:t>Ator</a:t>
+            </a:r>
+            <a:r>
+              <a:rPr lang="pt-BR" sz="1000" dirty="0"/>
+              <a:t>: Usuário comum </a:t>
+            </a:r>
+            <a:r>
+              <a:rPr lang="pt-BR" sz="1000" dirty="0" smtClean="0"/>
+              <a:t/>
+            </a:r>
+            <a:br>
+              <a:rPr lang="pt-BR" sz="1000" dirty="0" smtClean="0"/>
+            </a:br>
+            <a:r>
+              <a:rPr lang="pt-BR" sz="1000" dirty="0" smtClean="0"/>
+              <a:t>Descrição</a:t>
+            </a:r>
+            <a:r>
+              <a:rPr lang="pt-BR" sz="1000" dirty="0"/>
+              <a:t>: O usuário efetua a compra, realizando o pagamento feito externamente.</a:t>
+            </a:r>
+          </a:p>
+        </p:txBody>
+      </p:sp>
+    </p:spTree>
+    <p:extLst>
+      <p:ext uri="{BB962C8B-B14F-4D97-AF65-F5344CB8AC3E}">
+        <p14:creationId xmlns:p14="http://schemas.microsoft.com/office/powerpoint/2010/main" val="3089740947"/>
+      </p:ext>
+    </p:extLst>
+  </p:cSld>
+  <p:clrMapOvr>
+    <a:masterClrMapping/>
+  </p:clrMapOvr>
+  <p:timing>
+    <p:tnLst>
+      <p:par>
+        <p:cTn id="1" dur="indefinite" restart="never" nodeType="tmRoot"/>
+      </p:par>
+    </p:tnLst>
+  </p:timing>
+</p:sld>
+</file>
+
+<file path=ppt/slides/slide5.xml><?xml version="1.0" encoding="utf-8"?>
+<p:sld xmlns:a="http://schemas.openxmlformats.org/drawingml/2006/main" xmlns:r="http://schemas.openxmlformats.org/officeDocument/2006/relationships" xmlns:p="http://schemas.openxmlformats.org/presentationml/2006/main">
+  <p:cSld>
+    <p:spTree>
+      <p:nvGrpSpPr>
+        <p:cNvPr id="1" name=""/>
+        <p:cNvGrpSpPr/>
+        <p:nvPr/>
+      </p:nvGrpSpPr>
+      <p:grpSpPr>
+        <a:xfrm>
+          <a:off x="0" y="0"/>
+          <a:ext cx="0" cy="0"/>
+          <a:chOff x="0" y="0"/>
+          <a:chExt cx="0" cy="0"/>
+        </a:xfrm>
+      </p:grpSpPr>
+      <p:sp>
+        <p:nvSpPr>
+          <p:cNvPr id="2" name="Título 1"/>
+          <p:cNvSpPr>
+            <a:spLocks noGrp="1"/>
+          </p:cNvSpPr>
+          <p:nvPr>
+            <p:ph type="title"/>
+          </p:nvPr>
+        </p:nvSpPr>
         <p:spPr/>
         <p:txBody>
           <a:bodyPr/>
@@ -7335,6 +7446,1542 @@
     <p:extLst>
       <p:ext uri="{BB962C8B-B14F-4D97-AF65-F5344CB8AC3E}">
         <p14:creationId xmlns:p14="http://schemas.microsoft.com/office/powerpoint/2010/main" val="3104146540"/>
+      </p:ext>
+    </p:extLst>
+  </p:cSld>
+  <p:clrMapOvr>
+    <a:masterClrMapping/>
+  </p:clrMapOvr>
+  <p:timing>
+    <p:tnLst>
+      <p:par>
+        <p:cTn id="1" dur="indefinite" restart="never" nodeType="tmRoot"/>
+      </p:par>
+    </p:tnLst>
+  </p:timing>
+</p:sld>
+</file>
+
+<file path=ppt/slides/slide6.xml><?xml version="1.0" encoding="utf-8"?>
+<p:sld xmlns:a="http://schemas.openxmlformats.org/drawingml/2006/main" xmlns:r="http://schemas.openxmlformats.org/officeDocument/2006/relationships" xmlns:p="http://schemas.openxmlformats.org/presentationml/2006/main">
+  <p:cSld>
+    <p:spTree>
+      <p:nvGrpSpPr>
+        <p:cNvPr id="1" name=""/>
+        <p:cNvGrpSpPr/>
+        <p:nvPr/>
+      </p:nvGrpSpPr>
+      <p:grpSpPr>
+        <a:xfrm>
+          <a:off x="0" y="0"/>
+          <a:ext cx="0" cy="0"/>
+          <a:chOff x="0" y="0"/>
+          <a:chExt cx="0" cy="0"/>
+        </a:xfrm>
+      </p:grpSpPr>
+      <p:sp>
+        <p:nvSpPr>
+          <p:cNvPr id="2" name="Título 1"/>
+          <p:cNvSpPr>
+            <a:spLocks noGrp="1"/>
+          </p:cNvSpPr>
+          <p:nvPr>
+            <p:ph type="ctrTitle"/>
+          </p:nvPr>
+        </p:nvSpPr>
+        <p:spPr>
+          <a:xfrm>
+            <a:off x="0" y="62322"/>
+            <a:ext cx="8574622" cy="2648342"/>
+          </a:xfrm>
+        </p:spPr>
+        <p:txBody>
+          <a:bodyPr>
+            <a:normAutofit fontScale="90000"/>
+          </a:bodyPr>
+          <a:lstStyle/>
+          <a:p>
+            <a:r>
+              <a:rPr lang="pt-BR" dirty="0" err="1" smtClean="0"/>
+              <a:t>Model</a:t>
+            </a:r>
+            <a:r>
+              <a:rPr lang="pt-BR" dirty="0" smtClean="0"/>
+              <a:t>-</a:t>
+            </a:r>
+            <a:r>
+              <a:rPr lang="pt-BR" dirty="0" err="1" smtClean="0"/>
+              <a:t>View</a:t>
+            </a:r>
+            <a:r>
+              <a:rPr lang="pt-BR" dirty="0" smtClean="0"/>
+              <a:t>-Controle</a:t>
+            </a:r>
+            <a:br>
+              <a:rPr lang="pt-BR" dirty="0" smtClean="0"/>
+            </a:br>
+            <a:r>
+              <a:rPr lang="pt-BR" dirty="0"/>
+              <a:t/>
+            </a:r>
+            <a:br>
+              <a:rPr lang="pt-BR" dirty="0"/>
+            </a:br>
+            <a:endParaRPr lang="pt-BR" dirty="0"/>
+          </a:p>
+        </p:txBody>
+      </p:sp>
+      <p:sp>
+        <p:nvSpPr>
+          <p:cNvPr id="5" name="Retângulo de cantos arredondados 4"/>
+          <p:cNvSpPr/>
+          <p:nvPr/>
+        </p:nvSpPr>
+        <p:spPr>
+          <a:xfrm>
+            <a:off x="4547935" y="1749697"/>
+            <a:ext cx="2442411" cy="745958"/>
+          </a:xfrm>
+          <a:prstGeom prst="roundRect">
+            <a:avLst/>
+          </a:prstGeom>
+        </p:spPr>
+        <p:style>
+          <a:lnRef idx="2">
+            <a:schemeClr val="accent3">
+              <a:shade val="50000"/>
+            </a:schemeClr>
+          </a:lnRef>
+          <a:fillRef idx="1">
+            <a:schemeClr val="accent3"/>
+          </a:fillRef>
+          <a:effectRef idx="0">
+            <a:schemeClr val="accent3"/>
+          </a:effectRef>
+          <a:fontRef idx="minor">
+            <a:schemeClr val="lt1"/>
+          </a:fontRef>
+        </p:style>
+        <p:txBody>
+          <a:bodyPr rtlCol="0" anchor="ctr"/>
+          <a:lstStyle/>
+          <a:p>
+            <a:pPr algn="ctr"/>
+            <a:r>
+              <a:rPr lang="pt-BR" sz="3600" b="1" dirty="0" err="1" smtClean="0">
+                <a:ln w="6600">
+                  <a:solidFill>
+                    <a:schemeClr val="accent2"/>
+                  </a:solidFill>
+                  <a:prstDash val="solid"/>
+                </a:ln>
+                <a:solidFill>
+                  <a:srgbClr val="FFFFFF"/>
+                </a:solidFill>
+                <a:effectLst>
+                  <a:outerShdw dist="38100" dir="2700000" algn="tl" rotWithShape="0">
+                    <a:schemeClr val="accent2"/>
+                  </a:outerShdw>
+                </a:effectLst>
+              </a:rPr>
+              <a:t>Model</a:t>
+            </a:r>
+            <a:endParaRPr lang="pt-BR" b="1" dirty="0">
+              <a:ln w="6600">
+                <a:solidFill>
+                  <a:schemeClr val="accent2"/>
+                </a:solidFill>
+                <a:prstDash val="solid"/>
+              </a:ln>
+              <a:solidFill>
+                <a:srgbClr val="FFFFFF"/>
+              </a:solidFill>
+              <a:effectLst>
+                <a:outerShdw dist="38100" dir="2700000" algn="tl" rotWithShape="0">
+                  <a:schemeClr val="accent2"/>
+                </a:outerShdw>
+              </a:effectLst>
+            </a:endParaRPr>
+          </a:p>
+        </p:txBody>
+      </p:sp>
+      <p:sp>
+        <p:nvSpPr>
+          <p:cNvPr id="6" name="Retângulo de cantos arredondados 5"/>
+          <p:cNvSpPr/>
+          <p:nvPr/>
+        </p:nvSpPr>
+        <p:spPr>
+          <a:xfrm>
+            <a:off x="5338008" y="3758189"/>
+            <a:ext cx="2442411" cy="745958"/>
+          </a:xfrm>
+          <a:prstGeom prst="roundRect">
+            <a:avLst/>
+          </a:prstGeom>
+        </p:spPr>
+        <p:style>
+          <a:lnRef idx="2">
+            <a:schemeClr val="accent3">
+              <a:shade val="50000"/>
+            </a:schemeClr>
+          </a:lnRef>
+          <a:fillRef idx="1">
+            <a:schemeClr val="accent3"/>
+          </a:fillRef>
+          <a:effectRef idx="0">
+            <a:schemeClr val="accent3"/>
+          </a:effectRef>
+          <a:fontRef idx="minor">
+            <a:schemeClr val="lt1"/>
+          </a:fontRef>
+        </p:style>
+        <p:txBody>
+          <a:bodyPr rtlCol="0" anchor="ctr"/>
+          <a:lstStyle/>
+          <a:p>
+            <a:pPr algn="ctr"/>
+            <a:r>
+              <a:rPr lang="pt-BR" sz="3600" b="1" dirty="0" err="1" smtClean="0">
+                <a:ln w="6600">
+                  <a:solidFill>
+                    <a:schemeClr val="accent2"/>
+                  </a:solidFill>
+                  <a:prstDash val="solid"/>
+                </a:ln>
+                <a:solidFill>
+                  <a:srgbClr val="FFFFFF"/>
+                </a:solidFill>
+                <a:effectLst>
+                  <a:outerShdw dist="38100" dir="2700000" algn="tl" rotWithShape="0">
+                    <a:schemeClr val="accent2"/>
+                  </a:outerShdw>
+                </a:effectLst>
+              </a:rPr>
+              <a:t>Controller</a:t>
+            </a:r>
+            <a:endParaRPr lang="pt-BR" b="1" dirty="0">
+              <a:ln w="6600">
+                <a:solidFill>
+                  <a:schemeClr val="accent2"/>
+                </a:solidFill>
+                <a:prstDash val="solid"/>
+              </a:ln>
+              <a:solidFill>
+                <a:srgbClr val="FFFFFF"/>
+              </a:solidFill>
+              <a:effectLst>
+                <a:outerShdw dist="38100" dir="2700000" algn="tl" rotWithShape="0">
+                  <a:schemeClr val="accent2"/>
+                </a:outerShdw>
+              </a:effectLst>
+            </a:endParaRPr>
+          </a:p>
+        </p:txBody>
+      </p:sp>
+      <p:sp>
+        <p:nvSpPr>
+          <p:cNvPr id="8" name="Retângulo de cantos arredondados 7"/>
+          <p:cNvSpPr/>
+          <p:nvPr/>
+        </p:nvSpPr>
+        <p:spPr>
+          <a:xfrm>
+            <a:off x="9260304" y="1875144"/>
+            <a:ext cx="2442411" cy="745958"/>
+          </a:xfrm>
+          <a:prstGeom prst="roundRect">
+            <a:avLst/>
+          </a:prstGeom>
+        </p:spPr>
+        <p:style>
+          <a:lnRef idx="2">
+            <a:schemeClr val="accent3">
+              <a:shade val="50000"/>
+            </a:schemeClr>
+          </a:lnRef>
+          <a:fillRef idx="1">
+            <a:schemeClr val="accent3"/>
+          </a:fillRef>
+          <a:effectRef idx="0">
+            <a:schemeClr val="accent3"/>
+          </a:effectRef>
+          <a:fontRef idx="minor">
+            <a:schemeClr val="lt1"/>
+          </a:fontRef>
+        </p:style>
+        <p:txBody>
+          <a:bodyPr rtlCol="0" anchor="ctr"/>
+          <a:lstStyle/>
+          <a:p>
+            <a:pPr algn="ctr"/>
+            <a:r>
+              <a:rPr lang="pt-BR" sz="3600" b="1" dirty="0" err="1" smtClean="0">
+                <a:ln w="6600">
+                  <a:solidFill>
+                    <a:schemeClr val="accent2"/>
+                  </a:solidFill>
+                  <a:prstDash val="solid"/>
+                </a:ln>
+                <a:solidFill>
+                  <a:srgbClr val="FFFFFF"/>
+                </a:solidFill>
+                <a:effectLst>
+                  <a:outerShdw dist="38100" dir="2700000" algn="tl" rotWithShape="0">
+                    <a:schemeClr val="accent2"/>
+                  </a:outerShdw>
+                </a:effectLst>
+              </a:rPr>
+              <a:t>User</a:t>
+            </a:r>
+            <a:endParaRPr lang="pt-BR" b="1" dirty="0">
+              <a:ln w="6600">
+                <a:solidFill>
+                  <a:schemeClr val="accent2"/>
+                </a:solidFill>
+                <a:prstDash val="solid"/>
+              </a:ln>
+              <a:solidFill>
+                <a:srgbClr val="FFFFFF"/>
+              </a:solidFill>
+              <a:effectLst>
+                <a:outerShdw dist="38100" dir="2700000" algn="tl" rotWithShape="0">
+                  <a:schemeClr val="accent2"/>
+                </a:outerShdw>
+              </a:effectLst>
+            </a:endParaRPr>
+          </a:p>
+        </p:txBody>
+      </p:sp>
+      <p:sp>
+        <p:nvSpPr>
+          <p:cNvPr id="9" name="Retângulo de cantos arredondados 8"/>
+          <p:cNvSpPr/>
+          <p:nvPr/>
+        </p:nvSpPr>
+        <p:spPr>
+          <a:xfrm>
+            <a:off x="9260303" y="4001390"/>
+            <a:ext cx="2442411" cy="745958"/>
+          </a:xfrm>
+          <a:prstGeom prst="roundRect">
+            <a:avLst/>
+          </a:prstGeom>
+        </p:spPr>
+        <p:style>
+          <a:lnRef idx="2">
+            <a:schemeClr val="accent3">
+              <a:shade val="50000"/>
+            </a:schemeClr>
+          </a:lnRef>
+          <a:fillRef idx="1">
+            <a:schemeClr val="accent3"/>
+          </a:fillRef>
+          <a:effectRef idx="0">
+            <a:schemeClr val="accent3"/>
+          </a:effectRef>
+          <a:fontRef idx="minor">
+            <a:schemeClr val="lt1"/>
+          </a:fontRef>
+        </p:style>
+        <p:txBody>
+          <a:bodyPr rtlCol="0" anchor="ctr"/>
+          <a:lstStyle/>
+          <a:p>
+            <a:pPr algn="ctr"/>
+            <a:r>
+              <a:rPr lang="pt-BR" sz="3600" b="1" dirty="0" err="1" smtClean="0">
+                <a:ln w="6600">
+                  <a:solidFill>
+                    <a:schemeClr val="accent2"/>
+                  </a:solidFill>
+                  <a:prstDash val="solid"/>
+                </a:ln>
+                <a:solidFill>
+                  <a:srgbClr val="FFFFFF"/>
+                </a:solidFill>
+                <a:effectLst>
+                  <a:outerShdw dist="38100" dir="2700000" algn="tl" rotWithShape="0">
+                    <a:schemeClr val="accent2"/>
+                  </a:outerShdw>
+                </a:effectLst>
+              </a:rPr>
+              <a:t>View</a:t>
+            </a:r>
+            <a:endParaRPr lang="pt-BR" b="1" dirty="0">
+              <a:ln w="6600">
+                <a:solidFill>
+                  <a:schemeClr val="accent2"/>
+                </a:solidFill>
+                <a:prstDash val="solid"/>
+              </a:ln>
+              <a:solidFill>
+                <a:srgbClr val="FFFFFF"/>
+              </a:solidFill>
+              <a:effectLst>
+                <a:outerShdw dist="38100" dir="2700000" algn="tl" rotWithShape="0">
+                  <a:schemeClr val="accent2"/>
+                </a:outerShdw>
+              </a:effectLst>
+            </a:endParaRPr>
+          </a:p>
+        </p:txBody>
+      </p:sp>
+      <p:sp>
+        <p:nvSpPr>
+          <p:cNvPr id="11" name="Seta para baixo 10"/>
+          <p:cNvSpPr/>
+          <p:nvPr/>
+        </p:nvSpPr>
+        <p:spPr>
+          <a:xfrm>
+            <a:off x="9926053" y="2621103"/>
+            <a:ext cx="801101" cy="1380288"/>
+          </a:xfrm>
+          <a:prstGeom prst="downArrow">
+            <a:avLst/>
+          </a:prstGeom>
+        </p:spPr>
+        <p:style>
+          <a:lnRef idx="2">
+            <a:schemeClr val="accent1">
+              <a:shade val="50000"/>
+            </a:schemeClr>
+          </a:lnRef>
+          <a:fillRef idx="1">
+            <a:schemeClr val="accent1"/>
+          </a:fillRef>
+          <a:effectRef idx="0">
+            <a:schemeClr val="accent1"/>
+          </a:effectRef>
+          <a:fontRef idx="minor">
+            <a:schemeClr val="lt1"/>
+          </a:fontRef>
+        </p:style>
+        <p:txBody>
+          <a:bodyPr vert="vert" rtlCol="0" anchor="ctr"/>
+          <a:lstStyle/>
+          <a:p>
+            <a:pPr algn="ctr"/>
+            <a:r>
+              <a:rPr lang="pt-BR" sz="3600" dirty="0" smtClean="0"/>
+              <a:t>FIIL</a:t>
+            </a:r>
+            <a:endParaRPr lang="pt-BR" dirty="0"/>
+          </a:p>
+        </p:txBody>
+      </p:sp>
+      <p:sp>
+        <p:nvSpPr>
+          <p:cNvPr id="13" name="Seta para baixo 12"/>
+          <p:cNvSpPr/>
+          <p:nvPr/>
+        </p:nvSpPr>
+        <p:spPr>
+          <a:xfrm rot="10800000">
+            <a:off x="6240376" y="2502567"/>
+            <a:ext cx="749969" cy="1255621"/>
+          </a:xfrm>
+          <a:prstGeom prst="downArrow">
+            <a:avLst/>
+          </a:prstGeom>
+        </p:spPr>
+        <p:style>
+          <a:lnRef idx="2">
+            <a:schemeClr val="accent1">
+              <a:shade val="50000"/>
+            </a:schemeClr>
+          </a:lnRef>
+          <a:fillRef idx="1">
+            <a:schemeClr val="accent1"/>
+          </a:fillRef>
+          <a:effectRef idx="0">
+            <a:schemeClr val="accent1"/>
+          </a:effectRef>
+          <a:fontRef idx="minor">
+            <a:schemeClr val="lt1"/>
+          </a:fontRef>
+        </p:style>
+        <p:txBody>
+          <a:bodyPr vert="vert270" rtlCol="0" anchor="ctr"/>
+          <a:lstStyle/>
+          <a:p>
+            <a:pPr algn="ctr"/>
+            <a:r>
+              <a:rPr lang="pt-BR" sz="2000" dirty="0" smtClean="0"/>
+              <a:t>FILL</a:t>
+            </a:r>
+            <a:endParaRPr lang="pt-BR" dirty="0"/>
+          </a:p>
+        </p:txBody>
+      </p:sp>
+      <p:sp>
+        <p:nvSpPr>
+          <p:cNvPr id="14" name="Seta para a direita 13"/>
+          <p:cNvSpPr/>
+          <p:nvPr/>
+        </p:nvSpPr>
+        <p:spPr>
+          <a:xfrm>
+            <a:off x="7780419" y="3892326"/>
+            <a:ext cx="1479884" cy="385774"/>
+          </a:xfrm>
+          <a:prstGeom prst="rightArrow">
+            <a:avLst/>
+          </a:prstGeom>
+        </p:spPr>
+        <p:style>
+          <a:lnRef idx="2">
+            <a:schemeClr val="accent1">
+              <a:shade val="50000"/>
+            </a:schemeClr>
+          </a:lnRef>
+          <a:fillRef idx="1">
+            <a:schemeClr val="accent1"/>
+          </a:fillRef>
+          <a:effectRef idx="0">
+            <a:schemeClr val="accent1"/>
+          </a:effectRef>
+          <a:fontRef idx="minor">
+            <a:schemeClr val="lt1"/>
+          </a:fontRef>
+        </p:style>
+        <p:txBody>
+          <a:bodyPr rtlCol="0" anchor="ctr"/>
+          <a:lstStyle/>
+          <a:p>
+            <a:pPr algn="ctr"/>
+            <a:r>
+              <a:rPr lang="pt-BR" dirty="0" smtClean="0"/>
+              <a:t>FILL</a:t>
+            </a:r>
+            <a:endParaRPr lang="pt-BR" dirty="0"/>
+          </a:p>
+        </p:txBody>
+      </p:sp>
+      <p:sp>
+        <p:nvSpPr>
+          <p:cNvPr id="15" name="Seta para a direita 14"/>
+          <p:cNvSpPr/>
+          <p:nvPr/>
+        </p:nvSpPr>
+        <p:spPr>
+          <a:xfrm rot="10800000">
+            <a:off x="7780419" y="4227437"/>
+            <a:ext cx="1479884" cy="385774"/>
+          </a:xfrm>
+          <a:prstGeom prst="rightArrow">
+            <a:avLst/>
+          </a:prstGeom>
+        </p:spPr>
+        <p:style>
+          <a:lnRef idx="2">
+            <a:schemeClr val="accent1">
+              <a:shade val="50000"/>
+            </a:schemeClr>
+          </a:lnRef>
+          <a:fillRef idx="1">
+            <a:schemeClr val="accent1"/>
+          </a:fillRef>
+          <a:effectRef idx="0">
+            <a:schemeClr val="accent1"/>
+          </a:effectRef>
+          <a:fontRef idx="minor">
+            <a:schemeClr val="lt1"/>
+          </a:fontRef>
+        </p:style>
+        <p:txBody>
+          <a:bodyPr rtlCol="0" anchor="ctr"/>
+          <a:lstStyle/>
+          <a:p>
+            <a:pPr algn="ctr"/>
+            <a:endParaRPr lang="pt-BR" dirty="0"/>
+          </a:p>
+        </p:txBody>
+      </p:sp>
+      <p:sp>
+        <p:nvSpPr>
+          <p:cNvPr id="16" name="Retângulo 15"/>
+          <p:cNvSpPr/>
+          <p:nvPr/>
+        </p:nvSpPr>
+        <p:spPr>
+          <a:xfrm>
+            <a:off x="8067367" y="4248604"/>
+            <a:ext cx="914400" cy="335112"/>
+          </a:xfrm>
+          <a:prstGeom prst="rect">
+            <a:avLst/>
+          </a:prstGeom>
+          <a:noFill/>
+          <a:ln>
+            <a:noFill/>
+          </a:ln>
+        </p:spPr>
+        <p:style>
+          <a:lnRef idx="2">
+            <a:schemeClr val="accent1">
+              <a:shade val="50000"/>
+            </a:schemeClr>
+          </a:lnRef>
+          <a:fillRef idx="1">
+            <a:schemeClr val="accent1"/>
+          </a:fillRef>
+          <a:effectRef idx="0">
+            <a:schemeClr val="accent1"/>
+          </a:effectRef>
+          <a:fontRef idx="minor">
+            <a:schemeClr val="lt1"/>
+          </a:fontRef>
+        </p:style>
+        <p:txBody>
+          <a:bodyPr rtlCol="0" anchor="ctr"/>
+          <a:lstStyle/>
+          <a:p>
+            <a:pPr algn="ctr"/>
+            <a:r>
+              <a:rPr lang="pt-BR" dirty="0" smtClean="0"/>
+              <a:t>GIVE</a:t>
+            </a:r>
+            <a:endParaRPr lang="pt-BR" dirty="0"/>
+          </a:p>
+        </p:txBody>
+      </p:sp>
+      <p:sp>
+        <p:nvSpPr>
+          <p:cNvPr id="17" name="Seta para a direita 16"/>
+          <p:cNvSpPr/>
+          <p:nvPr/>
+        </p:nvSpPr>
+        <p:spPr>
+          <a:xfrm rot="2406719">
+            <a:off x="3781522" y="4756442"/>
+            <a:ext cx="2041060" cy="385774"/>
+          </a:xfrm>
+          <a:prstGeom prst="rightArrow">
+            <a:avLst/>
+          </a:prstGeom>
+        </p:spPr>
+        <p:style>
+          <a:lnRef idx="2">
+            <a:schemeClr val="accent1">
+              <a:shade val="50000"/>
+            </a:schemeClr>
+          </a:lnRef>
+          <a:fillRef idx="1">
+            <a:schemeClr val="accent1"/>
+          </a:fillRef>
+          <a:effectRef idx="0">
+            <a:schemeClr val="accent1"/>
+          </a:effectRef>
+          <a:fontRef idx="minor">
+            <a:schemeClr val="lt1"/>
+          </a:fontRef>
+        </p:style>
+        <p:txBody>
+          <a:bodyPr rtlCol="0" anchor="ctr"/>
+          <a:lstStyle/>
+          <a:p>
+            <a:pPr algn="ctr"/>
+            <a:r>
+              <a:rPr lang="pt-BR" dirty="0" smtClean="0"/>
+              <a:t>FILL</a:t>
+            </a:r>
+            <a:endParaRPr lang="pt-BR" dirty="0"/>
+          </a:p>
+        </p:txBody>
+      </p:sp>
+      <p:sp>
+        <p:nvSpPr>
+          <p:cNvPr id="18" name="Seta para a direita 17"/>
+          <p:cNvSpPr/>
+          <p:nvPr/>
+        </p:nvSpPr>
+        <p:spPr>
+          <a:xfrm rot="13206719">
+            <a:off x="3643210" y="5202376"/>
+            <a:ext cx="2339297" cy="385774"/>
+          </a:xfrm>
+          <a:prstGeom prst="rightArrow">
+            <a:avLst/>
+          </a:prstGeom>
+        </p:spPr>
+        <p:style>
+          <a:lnRef idx="2">
+            <a:schemeClr val="accent1">
+              <a:shade val="50000"/>
+            </a:schemeClr>
+          </a:lnRef>
+          <a:fillRef idx="1">
+            <a:schemeClr val="accent1"/>
+          </a:fillRef>
+          <a:effectRef idx="0">
+            <a:schemeClr val="accent1"/>
+          </a:effectRef>
+          <a:fontRef idx="minor">
+            <a:schemeClr val="lt1"/>
+          </a:fontRef>
+        </p:style>
+        <p:txBody>
+          <a:bodyPr rtlCol="0" anchor="ctr"/>
+          <a:lstStyle/>
+          <a:p>
+            <a:pPr algn="ctr"/>
+            <a:endParaRPr lang="pt-BR" dirty="0"/>
+          </a:p>
+        </p:txBody>
+      </p:sp>
+      <p:sp>
+        <p:nvSpPr>
+          <p:cNvPr id="19" name="Retângulo 18"/>
+          <p:cNvSpPr/>
+          <p:nvPr/>
+        </p:nvSpPr>
+        <p:spPr>
+          <a:xfrm rot="2406719">
+            <a:off x="4049444" y="5117383"/>
+            <a:ext cx="1261142" cy="335112"/>
+          </a:xfrm>
+          <a:prstGeom prst="rect">
+            <a:avLst/>
+          </a:prstGeom>
+          <a:noFill/>
+          <a:ln>
+            <a:noFill/>
+          </a:ln>
+        </p:spPr>
+        <p:style>
+          <a:lnRef idx="2">
+            <a:schemeClr val="accent1">
+              <a:shade val="50000"/>
+            </a:schemeClr>
+          </a:lnRef>
+          <a:fillRef idx="1">
+            <a:schemeClr val="accent1"/>
+          </a:fillRef>
+          <a:effectRef idx="0">
+            <a:schemeClr val="accent1"/>
+          </a:effectRef>
+          <a:fontRef idx="minor">
+            <a:schemeClr val="lt1"/>
+          </a:fontRef>
+        </p:style>
+        <p:txBody>
+          <a:bodyPr rtlCol="0" anchor="ctr"/>
+          <a:lstStyle/>
+          <a:p>
+            <a:pPr algn="ctr"/>
+            <a:r>
+              <a:rPr lang="pt-BR" dirty="0" smtClean="0"/>
+              <a:t>GIVE</a:t>
+            </a:r>
+            <a:endParaRPr lang="pt-BR" dirty="0"/>
+          </a:p>
+        </p:txBody>
+      </p:sp>
+      <p:sp>
+        <p:nvSpPr>
+          <p:cNvPr id="10" name="Retângulo de cantos arredondados 9"/>
+          <p:cNvSpPr/>
+          <p:nvPr/>
+        </p:nvSpPr>
+        <p:spPr>
+          <a:xfrm>
+            <a:off x="5517707" y="5602050"/>
+            <a:ext cx="2442411" cy="745958"/>
+          </a:xfrm>
+          <a:prstGeom prst="roundRect">
+            <a:avLst/>
+          </a:prstGeom>
+        </p:spPr>
+        <p:style>
+          <a:lnRef idx="2">
+            <a:schemeClr val="accent3">
+              <a:shade val="50000"/>
+            </a:schemeClr>
+          </a:lnRef>
+          <a:fillRef idx="1">
+            <a:schemeClr val="accent3"/>
+          </a:fillRef>
+          <a:effectRef idx="0">
+            <a:schemeClr val="accent3"/>
+          </a:effectRef>
+          <a:fontRef idx="minor">
+            <a:schemeClr val="lt1"/>
+          </a:fontRef>
+        </p:style>
+        <p:txBody>
+          <a:bodyPr rtlCol="0" anchor="ctr"/>
+          <a:lstStyle/>
+          <a:p>
+            <a:pPr algn="ctr"/>
+            <a:r>
+              <a:rPr lang="pt-BR" sz="3600" b="1" dirty="0" smtClean="0">
+                <a:ln w="6600">
+                  <a:solidFill>
+                    <a:schemeClr val="accent2"/>
+                  </a:solidFill>
+                  <a:prstDash val="solid"/>
+                </a:ln>
+                <a:solidFill>
+                  <a:srgbClr val="FFFFFF"/>
+                </a:solidFill>
+                <a:effectLst>
+                  <a:outerShdw dist="38100" dir="2700000" algn="tl" rotWithShape="0">
+                    <a:schemeClr val="accent2"/>
+                  </a:outerShdw>
+                </a:effectLst>
+              </a:rPr>
+              <a:t>Banco</a:t>
+            </a:r>
+            <a:endParaRPr lang="pt-BR" b="1" dirty="0">
+              <a:ln w="6600">
+                <a:solidFill>
+                  <a:schemeClr val="accent2"/>
+                </a:solidFill>
+                <a:prstDash val="solid"/>
+              </a:ln>
+              <a:solidFill>
+                <a:srgbClr val="FFFFFF"/>
+              </a:solidFill>
+              <a:effectLst>
+                <a:outerShdw dist="38100" dir="2700000" algn="tl" rotWithShape="0">
+                  <a:schemeClr val="accent2"/>
+                </a:outerShdw>
+              </a:effectLst>
+            </a:endParaRPr>
+          </a:p>
+        </p:txBody>
+      </p:sp>
+      <p:sp>
+        <p:nvSpPr>
+          <p:cNvPr id="7" name="Retângulo de cantos arredondados 6"/>
+          <p:cNvSpPr/>
+          <p:nvPr/>
+        </p:nvSpPr>
+        <p:spPr>
+          <a:xfrm>
+            <a:off x="1668377" y="3892326"/>
+            <a:ext cx="2442411" cy="745958"/>
+          </a:xfrm>
+          <a:prstGeom prst="roundRect">
+            <a:avLst/>
+          </a:prstGeom>
+        </p:spPr>
+        <p:style>
+          <a:lnRef idx="2">
+            <a:schemeClr val="accent3">
+              <a:shade val="50000"/>
+            </a:schemeClr>
+          </a:lnRef>
+          <a:fillRef idx="1">
+            <a:schemeClr val="accent3"/>
+          </a:fillRef>
+          <a:effectRef idx="0">
+            <a:schemeClr val="accent3"/>
+          </a:effectRef>
+          <a:fontRef idx="minor">
+            <a:schemeClr val="lt1"/>
+          </a:fontRef>
+        </p:style>
+        <p:txBody>
+          <a:bodyPr rtlCol="0" anchor="ctr"/>
+          <a:lstStyle/>
+          <a:p>
+            <a:pPr algn="ctr"/>
+            <a:r>
+              <a:rPr lang="pt-BR" sz="3600" b="1" dirty="0" smtClean="0">
+                <a:ln w="6600">
+                  <a:solidFill>
+                    <a:schemeClr val="accent2"/>
+                  </a:solidFill>
+                  <a:prstDash val="solid"/>
+                </a:ln>
+                <a:solidFill>
+                  <a:srgbClr val="FFFFFF"/>
+                </a:solidFill>
+                <a:effectLst>
+                  <a:outerShdw dist="38100" dir="2700000" algn="tl" rotWithShape="0">
+                    <a:schemeClr val="accent2"/>
+                  </a:outerShdw>
+                </a:effectLst>
+              </a:rPr>
+              <a:t>Data</a:t>
+            </a:r>
+            <a:endParaRPr lang="pt-BR" b="1" dirty="0">
+              <a:ln w="6600">
+                <a:solidFill>
+                  <a:schemeClr val="accent2"/>
+                </a:solidFill>
+                <a:prstDash val="solid"/>
+              </a:ln>
+              <a:solidFill>
+                <a:srgbClr val="FFFFFF"/>
+              </a:solidFill>
+              <a:effectLst>
+                <a:outerShdw dist="38100" dir="2700000" algn="tl" rotWithShape="0">
+                  <a:schemeClr val="accent2"/>
+                </a:outerShdw>
+              </a:effectLst>
+            </a:endParaRPr>
+          </a:p>
+        </p:txBody>
+      </p:sp>
+      <p:sp>
+        <p:nvSpPr>
+          <p:cNvPr id="20" name="Seta para a direita 19"/>
+          <p:cNvSpPr/>
+          <p:nvPr/>
+        </p:nvSpPr>
+        <p:spPr>
+          <a:xfrm>
+            <a:off x="4587260" y="3819908"/>
+            <a:ext cx="741431" cy="601834"/>
+          </a:xfrm>
+          <a:prstGeom prst="rightArrow">
+            <a:avLst/>
+          </a:prstGeom>
+        </p:spPr>
+        <p:style>
+          <a:lnRef idx="2">
+            <a:schemeClr val="accent1">
+              <a:shade val="50000"/>
+            </a:schemeClr>
+          </a:lnRef>
+          <a:fillRef idx="1">
+            <a:schemeClr val="accent1"/>
+          </a:fillRef>
+          <a:effectRef idx="0">
+            <a:schemeClr val="accent1"/>
+          </a:effectRef>
+          <a:fontRef idx="minor">
+            <a:schemeClr val="lt1"/>
+          </a:fontRef>
+        </p:style>
+        <p:txBody>
+          <a:bodyPr rtlCol="0" anchor="ctr"/>
+          <a:lstStyle/>
+          <a:p>
+            <a:pPr algn="ctr"/>
+            <a:endParaRPr lang="pt-BR"/>
+          </a:p>
+        </p:txBody>
+      </p:sp>
+      <p:sp>
+        <p:nvSpPr>
+          <p:cNvPr id="21" name="Seta para a direita 20"/>
+          <p:cNvSpPr/>
+          <p:nvPr/>
+        </p:nvSpPr>
+        <p:spPr>
+          <a:xfrm rot="10800000">
+            <a:off x="4130582" y="3825936"/>
+            <a:ext cx="541675" cy="601834"/>
+          </a:xfrm>
+          <a:prstGeom prst="rightArrow">
+            <a:avLst/>
+          </a:prstGeom>
+        </p:spPr>
+        <p:style>
+          <a:lnRef idx="2">
+            <a:schemeClr val="accent1">
+              <a:shade val="50000"/>
+            </a:schemeClr>
+          </a:lnRef>
+          <a:fillRef idx="1">
+            <a:schemeClr val="accent1"/>
+          </a:fillRef>
+          <a:effectRef idx="0">
+            <a:schemeClr val="accent1"/>
+          </a:effectRef>
+          <a:fontRef idx="minor">
+            <a:schemeClr val="lt1"/>
+          </a:fontRef>
+        </p:style>
+        <p:txBody>
+          <a:bodyPr rtlCol="0" anchor="ctr"/>
+          <a:lstStyle/>
+          <a:p>
+            <a:pPr algn="ctr"/>
+            <a:endParaRPr lang="pt-BR"/>
+          </a:p>
+        </p:txBody>
+      </p:sp>
+    </p:spTree>
+    <p:extLst>
+      <p:ext uri="{BB962C8B-B14F-4D97-AF65-F5344CB8AC3E}">
+        <p14:creationId xmlns:p14="http://schemas.microsoft.com/office/powerpoint/2010/main" val="2133789711"/>
+      </p:ext>
+    </p:extLst>
+  </p:cSld>
+  <p:clrMapOvr>
+    <a:masterClrMapping/>
+  </p:clrMapOvr>
+  <p:timing>
+    <p:tnLst>
+      <p:par>
+        <p:cTn id="1" dur="indefinite" restart="never" nodeType="tmRoot"/>
+      </p:par>
+    </p:tnLst>
+  </p:timing>
+</p:sld>
+</file>
+
+<file path=ppt/slides/slide7.xml><?xml version="1.0" encoding="utf-8"?>
+<p:sld xmlns:a="http://schemas.openxmlformats.org/drawingml/2006/main" xmlns:r="http://schemas.openxmlformats.org/officeDocument/2006/relationships" xmlns:p="http://schemas.openxmlformats.org/presentationml/2006/main">
+  <p:cSld>
+    <p:spTree>
+      <p:nvGrpSpPr>
+        <p:cNvPr id="1" name=""/>
+        <p:cNvGrpSpPr/>
+        <p:nvPr/>
+      </p:nvGrpSpPr>
+      <p:grpSpPr>
+        <a:xfrm>
+          <a:off x="0" y="0"/>
+          <a:ext cx="0" cy="0"/>
+          <a:chOff x="0" y="0"/>
+          <a:chExt cx="0" cy="0"/>
+        </a:xfrm>
+      </p:grpSpPr>
+      <p:sp>
+        <p:nvSpPr>
+          <p:cNvPr id="2" name="Título 1"/>
+          <p:cNvSpPr>
+            <a:spLocks noGrp="1"/>
+          </p:cNvSpPr>
+          <p:nvPr>
+            <p:ph type="ctrTitle"/>
+          </p:nvPr>
+        </p:nvSpPr>
+        <p:spPr>
+          <a:xfrm>
+            <a:off x="1129098" y="-876436"/>
+            <a:ext cx="8574622" cy="2616199"/>
+          </a:xfrm>
+        </p:spPr>
+        <p:txBody>
+          <a:bodyPr>
+            <a:normAutofit fontScale="90000"/>
+          </a:bodyPr>
+          <a:lstStyle/>
+          <a:p>
+            <a:r>
+              <a:rPr lang="pt-BR" dirty="0" smtClean="0"/>
+              <a:t>Exemplo da classe controle</a:t>
+            </a:r>
+            <a:br>
+              <a:rPr lang="pt-BR" dirty="0" smtClean="0"/>
+            </a:br>
+            <a:endParaRPr lang="pt-BR" dirty="0"/>
+          </a:p>
+        </p:txBody>
+      </p:sp>
+      <p:pic>
+        <p:nvPicPr>
+          <p:cNvPr id="4" name="Imagem 3"/>
+          <p:cNvPicPr>
+            <a:picLocks noChangeAspect="1"/>
+          </p:cNvPicPr>
+          <p:nvPr/>
+        </p:nvPicPr>
+        <p:blipFill>
+          <a:blip r:embed="rId2">
+            <a:extLst>
+              <a:ext uri="{28A0092B-C50C-407E-A947-70E740481C1C}">
+                <a14:useLocalDpi xmlns:a14="http://schemas.microsoft.com/office/drawing/2010/main" val="0"/>
+              </a:ext>
+            </a:extLst>
+          </a:blip>
+          <a:stretch>
+            <a:fillRect/>
+          </a:stretch>
+        </p:blipFill>
+        <p:spPr>
+          <a:xfrm>
+            <a:off x="4518045" y="1319835"/>
+            <a:ext cx="7049484" cy="4277322"/>
+          </a:xfrm>
+          <a:prstGeom prst="rect">
+            <a:avLst/>
+          </a:prstGeom>
+        </p:spPr>
+      </p:pic>
+    </p:spTree>
+    <p:extLst>
+      <p:ext uri="{BB962C8B-B14F-4D97-AF65-F5344CB8AC3E}">
+        <p14:creationId xmlns:p14="http://schemas.microsoft.com/office/powerpoint/2010/main" val="267948650"/>
+      </p:ext>
+    </p:extLst>
+  </p:cSld>
+  <p:clrMapOvr>
+    <a:masterClrMapping/>
+  </p:clrMapOvr>
+  <p:timing>
+    <p:tnLst>
+      <p:par>
+        <p:cTn id="1" dur="indefinite" restart="never" nodeType="tmRoot"/>
+      </p:par>
+    </p:tnLst>
+  </p:timing>
+</p:sld>
+</file>
+
+<file path=ppt/slides/slide8.xml><?xml version="1.0" encoding="utf-8"?>
+<p:sld xmlns:a="http://schemas.openxmlformats.org/drawingml/2006/main" xmlns:r="http://schemas.openxmlformats.org/officeDocument/2006/relationships" xmlns:p="http://schemas.openxmlformats.org/presentationml/2006/main">
+  <p:cSld>
+    <p:spTree>
+      <p:nvGrpSpPr>
+        <p:cNvPr id="1" name=""/>
+        <p:cNvGrpSpPr/>
+        <p:nvPr/>
+      </p:nvGrpSpPr>
+      <p:grpSpPr>
+        <a:xfrm>
+          <a:off x="0" y="0"/>
+          <a:ext cx="0" cy="0"/>
+          <a:chOff x="0" y="0"/>
+          <a:chExt cx="0" cy="0"/>
+        </a:xfrm>
+      </p:grpSpPr>
+      <p:sp>
+        <p:nvSpPr>
+          <p:cNvPr id="2" name="Título 1"/>
+          <p:cNvSpPr>
+            <a:spLocks noGrp="1"/>
+          </p:cNvSpPr>
+          <p:nvPr>
+            <p:ph type="ctrTitle"/>
+          </p:nvPr>
+        </p:nvSpPr>
+        <p:spPr>
+          <a:xfrm>
+            <a:off x="3503588" y="-758449"/>
+            <a:ext cx="8574622" cy="2616199"/>
+          </a:xfrm>
+        </p:spPr>
+        <p:txBody>
+          <a:bodyPr/>
+          <a:lstStyle/>
+          <a:p>
+            <a:r>
+              <a:rPr lang="pt-BR" dirty="0" smtClean="0"/>
+              <a:t>Requisições Assíncronas</a:t>
+            </a:r>
+            <a:br>
+              <a:rPr lang="pt-BR" dirty="0" smtClean="0"/>
+            </a:br>
+            <a:endParaRPr lang="pt-BR" dirty="0"/>
+          </a:p>
+        </p:txBody>
+      </p:sp>
+      <p:pic>
+        <p:nvPicPr>
+          <p:cNvPr id="5" name="Imagem 4"/>
+          <p:cNvPicPr>
+            <a:picLocks noChangeAspect="1"/>
+          </p:cNvPicPr>
+          <p:nvPr/>
+        </p:nvPicPr>
+        <p:blipFill>
+          <a:blip r:embed="rId2"/>
+          <a:stretch>
+            <a:fillRect/>
+          </a:stretch>
+        </p:blipFill>
+        <p:spPr>
+          <a:xfrm>
+            <a:off x="1713004" y="1268643"/>
+            <a:ext cx="3810532" cy="4763165"/>
+          </a:xfrm>
+          <a:prstGeom prst="rect">
+            <a:avLst/>
+          </a:prstGeom>
+        </p:spPr>
+      </p:pic>
+      <p:sp>
+        <p:nvSpPr>
+          <p:cNvPr id="6" name="Espaço Reservado para Conteúdo 2"/>
+          <p:cNvSpPr txBox="1">
+            <a:spLocks/>
+          </p:cNvSpPr>
+          <p:nvPr/>
+        </p:nvSpPr>
+        <p:spPr>
+          <a:xfrm>
+            <a:off x="2157709" y="1190801"/>
+            <a:ext cx="10002840" cy="5052059"/>
+          </a:xfrm>
+          <a:prstGeom prst="rect">
+            <a:avLst/>
+          </a:prstGeom>
+        </p:spPr>
+        <p:txBody>
+          <a:bodyPr vert="horz" lIns="91440" tIns="45720" rIns="91440" bIns="45720" numCol="2" rtlCol="0" anchor="t">
+            <a:noAutofit/>
+          </a:bodyPr>
+          <a:lstStyle>
+            <a:lvl1pPr marL="0" indent="0" algn="r" defTabSz="457200" rtl="0" eaLnBrk="1" latinLnBrk="0" hangingPunct="1">
+              <a:spcBef>
+                <a:spcPct val="20000"/>
+              </a:spcBef>
+              <a:spcAft>
+                <a:spcPts val="600"/>
+              </a:spcAft>
+              <a:buClr>
+                <a:schemeClr val="accent1">
+                  <a:lumMod val="75000"/>
+                </a:schemeClr>
+              </a:buClr>
+              <a:buSzPct val="145000"/>
+              <a:buFont typeface="Arial"/>
+              <a:buNone/>
+              <a:defRPr sz="2100" kern="1200" cap="none">
+                <a:solidFill>
+                  <a:schemeClr val="tx1"/>
+                </a:solidFill>
+                <a:effectLst/>
+                <a:latin typeface="+mn-lt"/>
+                <a:ea typeface="+mn-ea"/>
+                <a:cs typeface="+mn-cs"/>
+              </a:defRPr>
+            </a:lvl1pPr>
+            <a:lvl2pPr marL="457200" indent="0" algn="ctr" defTabSz="457200" rtl="0" eaLnBrk="1" latinLnBrk="0" hangingPunct="1">
+              <a:spcBef>
+                <a:spcPct val="20000"/>
+              </a:spcBef>
+              <a:spcAft>
+                <a:spcPts val="600"/>
+              </a:spcAft>
+              <a:buClr>
+                <a:schemeClr val="accent1">
+                  <a:lumMod val="75000"/>
+                </a:schemeClr>
+              </a:buClr>
+              <a:buSzPct val="145000"/>
+              <a:buFont typeface="Arial"/>
+              <a:buNone/>
+              <a:defRPr sz="2000" kern="1200" cap="none">
+                <a:solidFill>
+                  <a:schemeClr val="tx1">
+                    <a:tint val="75000"/>
+                  </a:schemeClr>
+                </a:solidFill>
+                <a:effectLst/>
+                <a:latin typeface="+mn-lt"/>
+                <a:ea typeface="+mn-ea"/>
+                <a:cs typeface="+mn-cs"/>
+              </a:defRPr>
+            </a:lvl2pPr>
+            <a:lvl3pPr marL="914400" indent="0" algn="ctr" defTabSz="457200" rtl="0" eaLnBrk="1" latinLnBrk="0" hangingPunct="1">
+              <a:spcBef>
+                <a:spcPct val="20000"/>
+              </a:spcBef>
+              <a:spcAft>
+                <a:spcPts val="600"/>
+              </a:spcAft>
+              <a:buClr>
+                <a:schemeClr val="accent1">
+                  <a:lumMod val="75000"/>
+                </a:schemeClr>
+              </a:buClr>
+              <a:buSzPct val="145000"/>
+              <a:buFont typeface="Arial"/>
+              <a:buNone/>
+              <a:defRPr sz="1800" kern="1200" cap="none">
+                <a:solidFill>
+                  <a:schemeClr val="tx1">
+                    <a:tint val="75000"/>
+                  </a:schemeClr>
+                </a:solidFill>
+                <a:effectLst/>
+                <a:latin typeface="+mn-lt"/>
+                <a:ea typeface="+mn-ea"/>
+                <a:cs typeface="+mn-cs"/>
+              </a:defRPr>
+            </a:lvl3pPr>
+            <a:lvl4pPr marL="1371600" indent="0" algn="ctr" defTabSz="457200" rtl="0" eaLnBrk="1" latinLnBrk="0" hangingPunct="1">
+              <a:spcBef>
+                <a:spcPct val="20000"/>
+              </a:spcBef>
+              <a:spcAft>
+                <a:spcPts val="600"/>
+              </a:spcAft>
+              <a:buClr>
+                <a:schemeClr val="accent1">
+                  <a:lumMod val="75000"/>
+                </a:schemeClr>
+              </a:buClr>
+              <a:buSzPct val="145000"/>
+              <a:buFont typeface="Arial"/>
+              <a:buNone/>
+              <a:defRPr sz="1600" kern="1200" cap="none">
+                <a:solidFill>
+                  <a:schemeClr val="tx1">
+                    <a:tint val="75000"/>
+                  </a:schemeClr>
+                </a:solidFill>
+                <a:effectLst/>
+                <a:latin typeface="+mn-lt"/>
+                <a:ea typeface="+mn-ea"/>
+                <a:cs typeface="+mn-cs"/>
+              </a:defRPr>
+            </a:lvl4pPr>
+            <a:lvl5pPr marL="1828800" indent="0" algn="ctr" defTabSz="457200" rtl="0" eaLnBrk="1" latinLnBrk="0" hangingPunct="1">
+              <a:spcBef>
+                <a:spcPct val="20000"/>
+              </a:spcBef>
+              <a:spcAft>
+                <a:spcPts val="600"/>
+              </a:spcAft>
+              <a:buClr>
+                <a:schemeClr val="accent1">
+                  <a:lumMod val="75000"/>
+                </a:schemeClr>
+              </a:buClr>
+              <a:buSzPct val="145000"/>
+              <a:buFont typeface="Arial"/>
+              <a:buNone/>
+              <a:defRPr sz="1400" kern="1200" cap="none">
+                <a:solidFill>
+                  <a:schemeClr val="tx1">
+                    <a:tint val="75000"/>
+                  </a:schemeClr>
+                </a:solidFill>
+                <a:effectLst/>
+                <a:latin typeface="+mn-lt"/>
+                <a:ea typeface="+mn-ea"/>
+                <a:cs typeface="+mn-cs"/>
+              </a:defRPr>
+            </a:lvl5pPr>
+            <a:lvl6pPr marL="2286000" indent="0" algn="ctr" defTabSz="457200" rtl="0" eaLnBrk="1" latinLnBrk="0" hangingPunct="1">
+              <a:spcBef>
+                <a:spcPct val="20000"/>
+              </a:spcBef>
+              <a:spcAft>
+                <a:spcPts val="600"/>
+              </a:spcAft>
+              <a:buClr>
+                <a:schemeClr val="accent1">
+                  <a:lumMod val="75000"/>
+                </a:schemeClr>
+              </a:buClr>
+              <a:buSzPct val="145000"/>
+              <a:buFont typeface="Arial"/>
+              <a:buNone/>
+              <a:defRPr sz="1400" kern="1200" cap="none">
+                <a:solidFill>
+                  <a:schemeClr val="tx1">
+                    <a:tint val="75000"/>
+                  </a:schemeClr>
+                </a:solidFill>
+                <a:effectLst/>
+                <a:latin typeface="+mn-lt"/>
+                <a:ea typeface="+mn-ea"/>
+                <a:cs typeface="+mn-cs"/>
+              </a:defRPr>
+            </a:lvl6pPr>
+            <a:lvl7pPr marL="2743200" indent="0" algn="ctr" defTabSz="457200" rtl="0" eaLnBrk="1" latinLnBrk="0" hangingPunct="1">
+              <a:spcBef>
+                <a:spcPct val="20000"/>
+              </a:spcBef>
+              <a:spcAft>
+                <a:spcPts val="600"/>
+              </a:spcAft>
+              <a:buClr>
+                <a:schemeClr val="accent1">
+                  <a:lumMod val="75000"/>
+                </a:schemeClr>
+              </a:buClr>
+              <a:buSzPct val="145000"/>
+              <a:buFont typeface="Arial"/>
+              <a:buNone/>
+              <a:defRPr sz="1400" kern="1200" cap="none">
+                <a:solidFill>
+                  <a:schemeClr val="tx1">
+                    <a:tint val="75000"/>
+                  </a:schemeClr>
+                </a:solidFill>
+                <a:effectLst/>
+                <a:latin typeface="+mn-lt"/>
+                <a:ea typeface="+mn-ea"/>
+                <a:cs typeface="+mn-cs"/>
+              </a:defRPr>
+            </a:lvl7pPr>
+            <a:lvl8pPr marL="3200400" indent="0" algn="ctr" defTabSz="457200" rtl="0" eaLnBrk="1" latinLnBrk="0" hangingPunct="1">
+              <a:spcBef>
+                <a:spcPct val="20000"/>
+              </a:spcBef>
+              <a:spcAft>
+                <a:spcPts val="600"/>
+              </a:spcAft>
+              <a:buClr>
+                <a:schemeClr val="accent1">
+                  <a:lumMod val="75000"/>
+                </a:schemeClr>
+              </a:buClr>
+              <a:buSzPct val="145000"/>
+              <a:buFont typeface="Arial"/>
+              <a:buNone/>
+              <a:defRPr sz="1400" kern="1200" cap="none">
+                <a:solidFill>
+                  <a:schemeClr val="tx1">
+                    <a:tint val="75000"/>
+                  </a:schemeClr>
+                </a:solidFill>
+                <a:effectLst/>
+                <a:latin typeface="+mn-lt"/>
+                <a:ea typeface="+mn-ea"/>
+                <a:cs typeface="+mn-cs"/>
+              </a:defRPr>
+            </a:lvl8pPr>
+            <a:lvl9pPr marL="3657600" indent="0" algn="ctr" defTabSz="457200" rtl="0" eaLnBrk="1" latinLnBrk="0" hangingPunct="1">
+              <a:spcBef>
+                <a:spcPct val="20000"/>
+              </a:spcBef>
+              <a:spcAft>
+                <a:spcPts val="600"/>
+              </a:spcAft>
+              <a:buClr>
+                <a:schemeClr val="accent1">
+                  <a:lumMod val="75000"/>
+                </a:schemeClr>
+              </a:buClr>
+              <a:buSzPct val="145000"/>
+              <a:buFont typeface="Arial"/>
+              <a:buNone/>
+              <a:defRPr sz="1400" kern="1200" cap="none">
+                <a:solidFill>
+                  <a:schemeClr val="tx1">
+                    <a:tint val="75000"/>
+                  </a:schemeClr>
+                </a:solidFill>
+                <a:effectLst/>
+                <a:latin typeface="+mn-lt"/>
+                <a:ea typeface="+mn-ea"/>
+                <a:cs typeface="+mn-cs"/>
+              </a:defRPr>
+            </a:lvl9pPr>
+          </a:lstStyle>
+          <a:p>
+            <a:endParaRPr lang="pt-BR" sz="1000" dirty="0"/>
+          </a:p>
+        </p:txBody>
+      </p:sp>
+      <p:sp>
+        <p:nvSpPr>
+          <p:cNvPr id="7" name="Retângulo 6"/>
+          <p:cNvSpPr/>
+          <p:nvPr/>
+        </p:nvSpPr>
+        <p:spPr>
+          <a:xfrm>
+            <a:off x="5982210" y="1752204"/>
+            <a:ext cx="5492035" cy="2862322"/>
+          </a:xfrm>
+          <a:prstGeom prst="rect">
+            <a:avLst/>
+          </a:prstGeom>
+        </p:spPr>
+        <p:txBody>
+          <a:bodyPr wrap="square">
+            <a:spAutoFit/>
+          </a:bodyPr>
+          <a:lstStyle/>
+          <a:p>
+            <a:r>
+              <a:rPr lang="pt-BR" dirty="0" smtClean="0"/>
+              <a:t>	O </a:t>
+            </a:r>
+            <a:r>
+              <a:rPr lang="pt-BR" dirty="0"/>
+              <a:t>Sistema utilizará requisições assíncronas para tratas as interações do usuário</a:t>
+            </a:r>
+            <a:r>
+              <a:rPr lang="pt-BR" dirty="0" smtClean="0"/>
+              <a:t>.</a:t>
+            </a:r>
+          </a:p>
+          <a:p>
+            <a:endParaRPr lang="pt-BR" dirty="0" smtClean="0"/>
+          </a:p>
+          <a:p>
+            <a:r>
+              <a:rPr lang="pt-BR" dirty="0" smtClean="0"/>
+              <a:t>Características:</a:t>
+            </a:r>
+          </a:p>
+          <a:p>
+            <a:r>
+              <a:rPr lang="pt-BR" dirty="0"/>
+              <a:t>	</a:t>
+            </a:r>
+            <a:r>
+              <a:rPr lang="pt-BR" dirty="0" smtClean="0"/>
+              <a:t>+ Velocidade</a:t>
+            </a:r>
+          </a:p>
+          <a:p>
+            <a:r>
+              <a:rPr lang="pt-BR" dirty="0"/>
+              <a:t>	</a:t>
+            </a:r>
+            <a:r>
+              <a:rPr lang="pt-BR" dirty="0" smtClean="0"/>
+              <a:t>+ Modularidade</a:t>
+            </a:r>
+          </a:p>
+          <a:p>
+            <a:r>
+              <a:rPr lang="pt-BR" dirty="0"/>
+              <a:t>	</a:t>
+            </a:r>
+            <a:r>
+              <a:rPr lang="pt-BR" dirty="0" smtClean="0"/>
+              <a:t>+ Mais segurança</a:t>
+            </a:r>
+            <a:endParaRPr lang="pt-BR" dirty="0"/>
+          </a:p>
+          <a:p>
+            <a:r>
+              <a:rPr lang="pt-BR" dirty="0" smtClean="0"/>
+              <a:t>	</a:t>
+            </a:r>
+          </a:p>
+          <a:p>
+            <a:r>
+              <a:rPr lang="pt-BR" dirty="0"/>
+              <a:t>	</a:t>
+            </a:r>
+            <a:r>
+              <a:rPr lang="pt-BR" dirty="0" smtClean="0"/>
+              <a:t>- Possível </a:t>
+            </a:r>
+            <a:r>
+              <a:rPr lang="pt-BR" dirty="0"/>
+              <a:t>sobrecarga no </a:t>
+            </a:r>
+            <a:r>
+              <a:rPr lang="pt-BR" dirty="0" smtClean="0"/>
+              <a:t>servidor</a:t>
+            </a:r>
+          </a:p>
+          <a:p>
+            <a:r>
+              <a:rPr lang="pt-BR" dirty="0" smtClean="0"/>
+              <a:t>	- Requer </a:t>
+            </a:r>
+            <a:r>
+              <a:rPr lang="pt-BR" dirty="0"/>
+              <a:t>boa manipulação de sessão</a:t>
+            </a:r>
+          </a:p>
+        </p:txBody>
+      </p:sp>
+    </p:spTree>
+    <p:extLst>
+      <p:ext uri="{BB962C8B-B14F-4D97-AF65-F5344CB8AC3E}">
+        <p14:creationId xmlns:p14="http://schemas.microsoft.com/office/powerpoint/2010/main" val="2116960364"/>
       </p:ext>
     </p:extLst>
   </p:cSld>

--- a/Documentação/Colheita Urbana.pptx
+++ b/Documentação/Colheita Urbana.pptx
@@ -113,7 +113,7 @@
   </p:defaultTextStyle>
   <p:extLst>
     <p:ext uri="{EFAFB233-063F-42B5-8137-9DF3F51BA10A}">
-      <p15:sldGuideLst xmlns:p15="http://schemas.microsoft.com/office/powerpoint/2012/main"/>
+      <p15:sldGuideLst xmlns:p15="http://schemas.microsoft.com/office/powerpoint/2012/main" xmlns=""/>
     </p:ext>
   </p:extLst>
 </p:presentation>
@@ -6205,7 +6205,7 @@
     </p:spTree>
     <p:extLst>
       <p:ext uri="{BB962C8B-B14F-4D97-AF65-F5344CB8AC3E}">
-        <p14:creationId xmlns:p14="http://schemas.microsoft.com/office/powerpoint/2010/main" val="2093833439"/>
+        <p14:creationId xmlns:p14="http://schemas.microsoft.com/office/powerpoint/2010/main" xmlns="" val="2093833439"/>
       </p:ext>
     </p:extLst>
   </p:cSld>
@@ -6336,7 +6336,7 @@
     </p:spTree>
     <p:extLst>
       <p:ext uri="{BB962C8B-B14F-4D97-AF65-F5344CB8AC3E}">
-        <p14:creationId xmlns:p14="http://schemas.microsoft.com/office/powerpoint/2010/main" val="3781100483"/>
+        <p14:creationId xmlns:p14="http://schemas.microsoft.com/office/powerpoint/2010/main" xmlns="" val="3781100483"/>
       </p:ext>
     </p:extLst>
   </p:cSld>
@@ -6422,7 +6422,7 @@
           <a:blip r:embed="rId2">
             <a:extLst>
               <a:ext uri="{28A0092B-C50C-407E-A947-70E740481C1C}">
-                <a14:useLocalDpi xmlns:a14="http://schemas.microsoft.com/office/drawing/2010/main" val="0"/>
+                <a14:useLocalDpi xmlns:a14="http://schemas.microsoft.com/office/drawing/2010/main" xmlns="" val="0"/>
               </a:ext>
             </a:extLst>
           </a:blip>
@@ -6443,7 +6443,7 @@
     </p:spTree>
     <p:extLst>
       <p:ext uri="{BB962C8B-B14F-4D97-AF65-F5344CB8AC3E}">
-        <p14:creationId xmlns:p14="http://schemas.microsoft.com/office/powerpoint/2010/main" val="2890008881"/>
+        <p14:creationId xmlns:p14="http://schemas.microsoft.com/office/powerpoint/2010/main" xmlns="" val="2890008881"/>
       </p:ext>
     </p:extLst>
   </p:cSld>
@@ -7285,7 +7285,7 @@
     </p:spTree>
     <p:extLst>
       <p:ext uri="{BB962C8B-B14F-4D97-AF65-F5344CB8AC3E}">
-        <p14:creationId xmlns:p14="http://schemas.microsoft.com/office/powerpoint/2010/main" val="3089740947"/>
+        <p14:creationId xmlns:p14="http://schemas.microsoft.com/office/powerpoint/2010/main" xmlns="" val="3089740947"/>
       </p:ext>
     </p:extLst>
   </p:cSld>
@@ -7367,76 +7367,22 @@
               <a:t>Usamos o modelo </a:t>
             </a:r>
             <a:r>
-              <a:rPr lang="pt-BR" dirty="0" err="1" smtClean="0"/>
-              <a:t>Model-View-Controller</a:t>
-            </a:r>
-            <a:r>
               <a:rPr lang="pt-BR" dirty="0" smtClean="0"/>
-              <a:t> </a:t>
+              <a:t>Model-View-Controller </a:t>
             </a:r>
             <a:r>
               <a:rPr lang="pt-BR" dirty="0"/>
-              <a:t>(MVC) em conjunto com </a:t>
+              <a:t>(MVC</a:t>
             </a:r>
             <a:r>
               <a:rPr lang="pt-BR" dirty="0" smtClean="0"/>
-              <a:t>um </a:t>
-            </a:r>
-            <a:r>
-              <a:rPr lang="pt-BR" dirty="0"/>
-              <a:t>Modelo de </a:t>
-            </a:r>
+              <a:t>)  com uma classe Extra de acesso ao Database</a:t>
+            </a:r>
+          </a:p>
+          <a:p>
             <a:r>
               <a:rPr lang="pt-BR" dirty="0" smtClean="0"/>
-              <a:t>Camadas usando </a:t>
-            </a:r>
-            <a:r>
-              <a:rPr lang="pt-BR" dirty="0"/>
-              <a:t>a </a:t>
-            </a:r>
-            <a:r>
-              <a:rPr lang="pt-BR" dirty="0" smtClean="0"/>
-              <a:t>ideia </a:t>
-            </a:r>
-            <a:r>
-              <a:rPr lang="pt-BR" dirty="0"/>
-              <a:t>de </a:t>
-            </a:r>
-            <a:r>
-              <a:rPr lang="pt-BR" dirty="0" smtClean="0"/>
-              <a:t>camadas. </a:t>
-            </a:r>
-            <a:r>
-              <a:rPr lang="pt-BR" dirty="0"/>
-              <a:t>U</a:t>
-            </a:r>
-            <a:r>
-              <a:rPr lang="pt-BR" dirty="0" smtClean="0"/>
-              <a:t>ma </a:t>
-            </a:r>
-            <a:r>
-              <a:rPr lang="pt-BR" dirty="0"/>
-              <a:t>camada de MVC </a:t>
-            </a:r>
-            <a:r>
-              <a:rPr lang="pt-BR" dirty="0" smtClean="0"/>
-              <a:t>para o </a:t>
-            </a:r>
-            <a:r>
-              <a:rPr lang="pt-BR" dirty="0"/>
-              <a:t>corpo do software em </a:t>
-            </a:r>
-            <a:r>
-              <a:rPr lang="pt-BR" dirty="0" smtClean="0"/>
-              <a:t>si (já </a:t>
-            </a:r>
-            <a:r>
-              <a:rPr lang="pt-BR" dirty="0"/>
-              <a:t>que é o mais recomendado para web) e uma camada para própria para o Banco de dados, já que ele é uma parte muito importante do </a:t>
-            </a:r>
-            <a:r>
-              <a:rPr lang="pt-BR" dirty="0" smtClean="0"/>
-              <a:t>software.</a:t>
+              <a:t>Misturou Modelo de camadas com MVC</a:t>
             </a:r>
             <a:endParaRPr lang="pt-BR" dirty="0"/>
           </a:p>
@@ -7445,7 +7391,7 @@
     </p:spTree>
     <p:extLst>
       <p:ext uri="{BB962C8B-B14F-4D97-AF65-F5344CB8AC3E}">
-        <p14:creationId xmlns:p14="http://schemas.microsoft.com/office/powerpoint/2010/main" val="3104146540"/>
+        <p14:creationId xmlns:p14="http://schemas.microsoft.com/office/powerpoint/2010/main" xmlns="" val="3104146540"/>
       </p:ext>
     </p:extLst>
   </p:cSld>
@@ -8410,7 +8356,7 @@
     </p:spTree>
     <p:extLst>
       <p:ext uri="{BB962C8B-B14F-4D97-AF65-F5344CB8AC3E}">
-        <p14:creationId xmlns:p14="http://schemas.microsoft.com/office/powerpoint/2010/main" val="2133789711"/>
+        <p14:creationId xmlns:p14="http://schemas.microsoft.com/office/powerpoint/2010/main" xmlns="" val="2133789711"/>
       </p:ext>
     </p:extLst>
   </p:cSld>
@@ -8489,7 +8435,7 @@
           <a:blip r:embed="rId2">
             <a:extLst>
               <a:ext uri="{28A0092B-C50C-407E-A947-70E740481C1C}">
-                <a14:useLocalDpi xmlns:a14="http://schemas.microsoft.com/office/drawing/2010/main" val="0"/>
+                <a14:useLocalDpi xmlns:a14="http://schemas.microsoft.com/office/drawing/2010/main" xmlns="" val="0"/>
               </a:ext>
             </a:extLst>
           </a:blip>
@@ -8510,7 +8456,7 @@
     </p:spTree>
     <p:extLst>
       <p:ext uri="{BB962C8B-B14F-4D97-AF65-F5344CB8AC3E}">
-        <p14:creationId xmlns:p14="http://schemas.microsoft.com/office/powerpoint/2010/main" val="267948650"/>
+        <p14:creationId xmlns:p14="http://schemas.microsoft.com/office/powerpoint/2010/main" xmlns="" val="267948650"/>
       </p:ext>
     </p:extLst>
   </p:cSld>
@@ -8598,6 +8544,20 @@
             <a:avLst/>
           </a:prstGeom>
         </p:spPr>
+        <p:style>
+          <a:lnRef idx="2">
+            <a:schemeClr val="dk1"/>
+          </a:lnRef>
+          <a:fillRef idx="1">
+            <a:schemeClr val="lt1"/>
+          </a:fillRef>
+          <a:effectRef idx="0">
+            <a:schemeClr val="dk1"/>
+          </a:effectRef>
+          <a:fontRef idx="minor">
+            <a:schemeClr val="dk1"/>
+          </a:fontRef>
+        </p:style>
       </p:pic>
       <p:sp>
         <p:nvSpPr>
@@ -8938,7 +8898,11 @@
             </a:r>
             <a:r>
               <a:rPr lang="pt-BR" dirty="0" smtClean="0"/>
-              <a:t>+ Mais segurança</a:t>
+              <a:t>+ </a:t>
+            </a:r>
+            <a:r>
+              <a:rPr lang="pt-BR" dirty="0" smtClean="0"/>
+              <a:t>Segurança</a:t>
             </a:r>
             <a:endParaRPr lang="pt-BR" dirty="0"/>
           </a:p>
@@ -8981,7 +8945,7 @@
     </p:spTree>
     <p:extLst>
       <p:ext uri="{BB962C8B-B14F-4D97-AF65-F5344CB8AC3E}">
-        <p14:creationId xmlns:p14="http://schemas.microsoft.com/office/powerpoint/2010/main" val="2116960364"/>
+        <p14:creationId xmlns:p14="http://schemas.microsoft.com/office/powerpoint/2010/main" xmlns="" val="2116960364"/>
       </p:ext>
     </p:extLst>
   </p:cSld>
@@ -9041,7 +9005,7 @@
     </a:clrScheme>
     <a:fontScheme name="Parallax">
       <a:majorFont>
-        <a:latin typeface="Corbel" panose="020B0503020204020204"/>
+        <a:latin typeface="Corbel"/>
         <a:ea typeface=""/>
         <a:cs typeface=""/>
         <a:font script="Jpan" typeface="HGｺﾞｼｯｸM"/>
@@ -9076,7 +9040,7 @@
         <a:font script="Geor" typeface="Sylfaen"/>
       </a:majorFont>
       <a:minorFont>
-        <a:latin typeface="Corbel" panose="020B0503020204020204"/>
+        <a:latin typeface="Corbel"/>
         <a:ea typeface=""/>
         <a:cs typeface=""/>
         <a:font script="Jpan" typeface="HGｺﾞｼｯｸM"/>
@@ -9248,7 +9212,7 @@
   <a:extraClrSchemeLst/>
   <a:extLst>
     <a:ext uri="{05A4C25C-085E-4340-85A3-A5531E510DB2}">
-      <thm15:themeFamily xmlns:thm15="http://schemas.microsoft.com/office/thememl/2012/main" name="Parallax" id="{3388167B-A2EB-4685-9635-1831D9AEF8C4}" vid="{93B4CCAC-FD5A-4D59-B1AC-EAF45910B5A9}"/>
+      <thm15:themeFamily xmlns:thm15="http://schemas.microsoft.com/office/thememl/2012/main" xmlns="" name="Parallax" id="{3388167B-A2EB-4685-9635-1831D9AEF8C4}" vid="{93B4CCAC-FD5A-4D59-B1AC-EAF45910B5A9}"/>
     </a:ext>
   </a:extLst>
 </a:theme>

--- a/Documentação/Colheita Urbana.pptx
+++ b/Documentação/Colheita Urbana.pptx
@@ -13,6 +13,7 @@
     <p:sldId id="261" r:id="rId7"/>
     <p:sldId id="262" r:id="rId8"/>
     <p:sldId id="263" r:id="rId9"/>
+    <p:sldId id="264" r:id="rId10"/>
   </p:sldIdLst>
   <p:sldSz cx="12192000" cy="6858000"/>
   <p:notesSz cx="6858000" cy="9144000"/>
@@ -113,7 +114,18 @@
   </p:defaultTextStyle>
   <p:extLst>
     <p:ext uri="{EFAFB233-063F-42B5-8137-9DF3F51BA10A}">
-      <p15:sldGuideLst xmlns:p15="http://schemas.microsoft.com/office/powerpoint/2012/main" xmlns=""/>
+      <p15:sldGuideLst xmlns:p15="http://schemas.microsoft.com/office/powerpoint/2012/main">
+        <p15:guide id="1" orient="horz" pos="2160">
+          <p15:clr>
+            <a:srgbClr val="A4A3A4"/>
+          </p15:clr>
+        </p15:guide>
+        <p15:guide id="2" pos="3840">
+          <p15:clr>
+            <a:srgbClr val="A4A3A4"/>
+          </p15:clr>
+        </p15:guide>
+      </p15:sldGuideLst>
     </p:ext>
   </p:extLst>
 </p:presentation>
@@ -6205,7 +6217,7 @@
     </p:spTree>
     <p:extLst>
       <p:ext uri="{BB962C8B-B14F-4D97-AF65-F5344CB8AC3E}">
-        <p14:creationId xmlns:p14="http://schemas.microsoft.com/office/powerpoint/2010/main" xmlns="" val="2093833439"/>
+        <p14:creationId xmlns:p14="http://schemas.microsoft.com/office/powerpoint/2010/main" val="2093833439"/>
       </p:ext>
     </p:extLst>
   </p:cSld>
@@ -6336,7 +6348,7 @@
     </p:spTree>
     <p:extLst>
       <p:ext uri="{BB962C8B-B14F-4D97-AF65-F5344CB8AC3E}">
-        <p14:creationId xmlns:p14="http://schemas.microsoft.com/office/powerpoint/2010/main" xmlns="" val="3781100483"/>
+        <p14:creationId xmlns:p14="http://schemas.microsoft.com/office/powerpoint/2010/main" val="3781100483"/>
       </p:ext>
     </p:extLst>
   </p:cSld>
@@ -6422,7 +6434,7 @@
           <a:blip r:embed="rId2">
             <a:extLst>
               <a:ext uri="{28A0092B-C50C-407E-A947-70E740481C1C}">
-                <a14:useLocalDpi xmlns:a14="http://schemas.microsoft.com/office/drawing/2010/main" xmlns="" val="0"/>
+                <a14:useLocalDpi xmlns:a14="http://schemas.microsoft.com/office/drawing/2010/main" val="0"/>
               </a:ext>
             </a:extLst>
           </a:blip>
@@ -6443,7 +6455,7 @@
     </p:spTree>
     <p:extLst>
       <p:ext uri="{BB962C8B-B14F-4D97-AF65-F5344CB8AC3E}">
-        <p14:creationId xmlns:p14="http://schemas.microsoft.com/office/powerpoint/2010/main" xmlns="" val="2890008881"/>
+        <p14:creationId xmlns:p14="http://schemas.microsoft.com/office/powerpoint/2010/main" val="2890008881"/>
       </p:ext>
     </p:extLst>
   </p:cSld>
@@ -7285,7 +7297,7 @@
     </p:spTree>
     <p:extLst>
       <p:ext uri="{BB962C8B-B14F-4D97-AF65-F5344CB8AC3E}">
-        <p14:creationId xmlns:p14="http://schemas.microsoft.com/office/powerpoint/2010/main" xmlns="" val="3089740947"/>
+        <p14:creationId xmlns:p14="http://schemas.microsoft.com/office/powerpoint/2010/main" val="3089740947"/>
       </p:ext>
     </p:extLst>
   </p:cSld>
@@ -7391,7 +7403,7 @@
     </p:spTree>
     <p:extLst>
       <p:ext uri="{BB962C8B-B14F-4D97-AF65-F5344CB8AC3E}">
-        <p14:creationId xmlns:p14="http://schemas.microsoft.com/office/powerpoint/2010/main" xmlns="" val="3104146540"/>
+        <p14:creationId xmlns:p14="http://schemas.microsoft.com/office/powerpoint/2010/main" val="3104146540"/>
       </p:ext>
     </p:extLst>
   </p:cSld>
@@ -7494,15 +7506,15 @@
         </p:spPr>
         <p:style>
           <a:lnRef idx="2">
-            <a:schemeClr val="accent3">
+            <a:schemeClr val="accent4">
               <a:shade val="50000"/>
             </a:schemeClr>
           </a:lnRef>
           <a:fillRef idx="1">
-            <a:schemeClr val="accent3"/>
+            <a:schemeClr val="accent4"/>
           </a:fillRef>
           <a:effectRef idx="0">
-            <a:schemeClr val="accent3"/>
+            <a:schemeClr val="accent4"/>
           </a:effectRef>
           <a:fontRef idx="minor">
             <a:schemeClr val="lt1"/>
@@ -7515,9 +7527,9 @@
             <a:pPr algn="ctr"/>
             <a:r>
               <a:rPr lang="pt-BR" sz="3600" b="1" dirty="0" err="1" smtClean="0">
-                <a:ln w="6600">
+                <a:ln w="10160">
                   <a:solidFill>
-                    <a:schemeClr val="accent2"/>
+                    <a:schemeClr val="accent5"/>
                   </a:solidFill>
                   <a:prstDash val="solid"/>
                 </a:ln>
@@ -7525,8 +7537,10 @@
                   <a:srgbClr val="FFFFFF"/>
                 </a:solidFill>
                 <a:effectLst>
-                  <a:outerShdw dist="38100" dir="2700000" algn="tl" rotWithShape="0">
-                    <a:schemeClr val="accent2"/>
+                  <a:outerShdw blurRad="38100" dist="22860" dir="5400000" algn="tl" rotWithShape="0">
+                    <a:srgbClr val="000000">
+                      <a:alpha val="30000"/>
+                    </a:srgbClr>
                   </a:outerShdw>
                 </a:effectLst>
               </a:rPr>
@@ -7568,15 +7582,15 @@
         </p:spPr>
         <p:style>
           <a:lnRef idx="2">
-            <a:schemeClr val="accent3">
+            <a:schemeClr val="accent4">
               <a:shade val="50000"/>
             </a:schemeClr>
           </a:lnRef>
           <a:fillRef idx="1">
-            <a:schemeClr val="accent3"/>
+            <a:schemeClr val="accent4"/>
           </a:fillRef>
           <a:effectRef idx="0">
-            <a:schemeClr val="accent3"/>
+            <a:schemeClr val="accent4"/>
           </a:effectRef>
           <a:fontRef idx="minor">
             <a:schemeClr val="lt1"/>
@@ -7589,9 +7603,9 @@
             <a:pPr algn="ctr"/>
             <a:r>
               <a:rPr lang="pt-BR" sz="3600" b="1" dirty="0" err="1" smtClean="0">
-                <a:ln w="6600">
+                <a:ln w="10160">
                   <a:solidFill>
-                    <a:schemeClr val="accent2"/>
+                    <a:schemeClr val="accent5"/>
                   </a:solidFill>
                   <a:prstDash val="solid"/>
                 </a:ln>
@@ -7599,8 +7613,10 @@
                   <a:srgbClr val="FFFFFF"/>
                 </a:solidFill>
                 <a:effectLst>
-                  <a:outerShdw dist="38100" dir="2700000" algn="tl" rotWithShape="0">
-                    <a:schemeClr val="accent2"/>
+                  <a:outerShdw blurRad="38100" dist="22860" dir="5400000" algn="tl" rotWithShape="0">
+                    <a:srgbClr val="000000">
+                      <a:alpha val="30000"/>
+                    </a:srgbClr>
                   </a:outerShdw>
                 </a:effectLst>
               </a:rPr>
@@ -7642,15 +7658,15 @@
         </p:spPr>
         <p:style>
           <a:lnRef idx="2">
-            <a:schemeClr val="accent3">
+            <a:schemeClr val="accent4">
               <a:shade val="50000"/>
             </a:schemeClr>
           </a:lnRef>
           <a:fillRef idx="1">
-            <a:schemeClr val="accent3"/>
+            <a:schemeClr val="accent4"/>
           </a:fillRef>
           <a:effectRef idx="0">
-            <a:schemeClr val="accent3"/>
+            <a:schemeClr val="accent4"/>
           </a:effectRef>
           <a:fontRef idx="minor">
             <a:schemeClr val="lt1"/>
@@ -7663,9 +7679,9 @@
             <a:pPr algn="ctr"/>
             <a:r>
               <a:rPr lang="pt-BR" sz="3600" b="1" dirty="0" err="1" smtClean="0">
-                <a:ln w="6600">
+                <a:ln w="10160">
                   <a:solidFill>
-                    <a:schemeClr val="accent2"/>
+                    <a:schemeClr val="accent5"/>
                   </a:solidFill>
                   <a:prstDash val="solid"/>
                 </a:ln>
@@ -7673,8 +7689,10 @@
                   <a:srgbClr val="FFFFFF"/>
                 </a:solidFill>
                 <a:effectLst>
-                  <a:outerShdw dist="38100" dir="2700000" algn="tl" rotWithShape="0">
-                    <a:schemeClr val="accent2"/>
+                  <a:outerShdw blurRad="38100" dist="22860" dir="5400000" algn="tl" rotWithShape="0">
+                    <a:srgbClr val="000000">
+                      <a:alpha val="30000"/>
+                    </a:srgbClr>
                   </a:outerShdw>
                 </a:effectLst>
               </a:rPr>
@@ -7716,15 +7734,15 @@
         </p:spPr>
         <p:style>
           <a:lnRef idx="2">
-            <a:schemeClr val="accent3">
+            <a:schemeClr val="accent4">
               <a:shade val="50000"/>
             </a:schemeClr>
           </a:lnRef>
           <a:fillRef idx="1">
-            <a:schemeClr val="accent3"/>
+            <a:schemeClr val="accent4"/>
           </a:fillRef>
           <a:effectRef idx="0">
-            <a:schemeClr val="accent3"/>
+            <a:schemeClr val="accent4"/>
           </a:effectRef>
           <a:fontRef idx="minor">
             <a:schemeClr val="lt1"/>
@@ -7737,9 +7755,9 @@
             <a:pPr algn="ctr"/>
             <a:r>
               <a:rPr lang="pt-BR" sz="3600" b="1" dirty="0" err="1" smtClean="0">
-                <a:ln w="6600">
+                <a:ln w="10160">
                   <a:solidFill>
-                    <a:schemeClr val="accent2"/>
+                    <a:schemeClr val="accent5"/>
                   </a:solidFill>
                   <a:prstDash val="solid"/>
                 </a:ln>
@@ -7747,8 +7765,10 @@
                   <a:srgbClr val="FFFFFF"/>
                 </a:solidFill>
                 <a:effectLst>
-                  <a:outerShdw dist="38100" dir="2700000" algn="tl" rotWithShape="0">
-                    <a:schemeClr val="accent2"/>
+                  <a:outerShdw blurRad="38100" dist="22860" dir="5400000" algn="tl" rotWithShape="0">
+                    <a:srgbClr val="000000">
+                      <a:alpha val="30000"/>
+                    </a:srgbClr>
                   </a:outerShdw>
                 </a:effectLst>
               </a:rPr>
@@ -8142,15 +8162,15 @@
         </p:spPr>
         <p:style>
           <a:lnRef idx="2">
-            <a:schemeClr val="accent3">
+            <a:schemeClr val="accent4">
               <a:shade val="50000"/>
             </a:schemeClr>
           </a:lnRef>
           <a:fillRef idx="1">
-            <a:schemeClr val="accent3"/>
+            <a:schemeClr val="accent4"/>
           </a:fillRef>
           <a:effectRef idx="0">
-            <a:schemeClr val="accent3"/>
+            <a:schemeClr val="accent4"/>
           </a:effectRef>
           <a:fontRef idx="minor">
             <a:schemeClr val="lt1"/>
@@ -8163,9 +8183,9 @@
             <a:pPr algn="ctr"/>
             <a:r>
               <a:rPr lang="pt-BR" sz="3600" b="1" dirty="0" smtClean="0">
-                <a:ln w="6600">
+                <a:ln w="10160">
                   <a:solidFill>
-                    <a:schemeClr val="accent2"/>
+                    <a:schemeClr val="accent5"/>
                   </a:solidFill>
                   <a:prstDash val="solid"/>
                 </a:ln>
@@ -8173,8 +8193,10 @@
                   <a:srgbClr val="FFFFFF"/>
                 </a:solidFill>
                 <a:effectLst>
-                  <a:outerShdw dist="38100" dir="2700000" algn="tl" rotWithShape="0">
-                    <a:schemeClr val="accent2"/>
+                  <a:outerShdw blurRad="38100" dist="22860" dir="5400000" algn="tl" rotWithShape="0">
+                    <a:srgbClr val="000000">
+                      <a:alpha val="30000"/>
+                    </a:srgbClr>
                   </a:outerShdw>
                 </a:effectLst>
               </a:rPr>
@@ -8216,15 +8238,15 @@
         </p:spPr>
         <p:style>
           <a:lnRef idx="2">
-            <a:schemeClr val="accent3">
+            <a:schemeClr val="accent4">
               <a:shade val="50000"/>
             </a:schemeClr>
           </a:lnRef>
           <a:fillRef idx="1">
-            <a:schemeClr val="accent3"/>
+            <a:schemeClr val="accent4"/>
           </a:fillRef>
           <a:effectRef idx="0">
-            <a:schemeClr val="accent3"/>
+            <a:schemeClr val="accent4"/>
           </a:effectRef>
           <a:fontRef idx="minor">
             <a:schemeClr val="lt1"/>
@@ -8237,9 +8259,9 @@
             <a:pPr algn="ctr"/>
             <a:r>
               <a:rPr lang="pt-BR" sz="3600" b="1" dirty="0" smtClean="0">
-                <a:ln w="6600">
+                <a:ln w="10160">
                   <a:solidFill>
-                    <a:schemeClr val="accent2"/>
+                    <a:schemeClr val="accent5"/>
                   </a:solidFill>
                   <a:prstDash val="solid"/>
                 </a:ln>
@@ -8247,8 +8269,10 @@
                   <a:srgbClr val="FFFFFF"/>
                 </a:solidFill>
                 <a:effectLst>
-                  <a:outerShdw dist="38100" dir="2700000" algn="tl" rotWithShape="0">
-                    <a:schemeClr val="accent2"/>
+                  <a:outerShdw blurRad="38100" dist="22860" dir="5400000" algn="tl" rotWithShape="0">
+                    <a:srgbClr val="000000">
+                      <a:alpha val="30000"/>
+                    </a:srgbClr>
                   </a:outerShdw>
                 </a:effectLst>
               </a:rPr>
@@ -8356,7 +8380,7 @@
     </p:spTree>
     <p:extLst>
       <p:ext uri="{BB962C8B-B14F-4D97-AF65-F5344CB8AC3E}">
-        <p14:creationId xmlns:p14="http://schemas.microsoft.com/office/powerpoint/2010/main" xmlns="" val="2133789711"/>
+        <p14:creationId xmlns:p14="http://schemas.microsoft.com/office/powerpoint/2010/main" val="2133789711"/>
       </p:ext>
     </p:extLst>
   </p:cSld>
@@ -8435,7 +8459,7 @@
           <a:blip r:embed="rId2">
             <a:extLst>
               <a:ext uri="{28A0092B-C50C-407E-A947-70E740481C1C}">
-                <a14:useLocalDpi xmlns:a14="http://schemas.microsoft.com/office/drawing/2010/main" xmlns="" val="0"/>
+                <a14:useLocalDpi xmlns:a14="http://schemas.microsoft.com/office/drawing/2010/main" val="0"/>
               </a:ext>
             </a:extLst>
           </a:blip>
@@ -8456,7 +8480,7 @@
     </p:spTree>
     <p:extLst>
       <p:ext uri="{BB962C8B-B14F-4D97-AF65-F5344CB8AC3E}">
-        <p14:creationId xmlns:p14="http://schemas.microsoft.com/office/powerpoint/2010/main" xmlns="" val="267948650"/>
+        <p14:creationId xmlns:p14="http://schemas.microsoft.com/office/powerpoint/2010/main" val="267948650"/>
       </p:ext>
     </p:extLst>
   </p:cSld>
@@ -8898,11 +8922,7 @@
             </a:r>
             <a:r>
               <a:rPr lang="pt-BR" dirty="0" smtClean="0"/>
-              <a:t>+ </a:t>
-            </a:r>
-            <a:r>
-              <a:rPr lang="pt-BR" dirty="0" smtClean="0"/>
-              <a:t>Segurança</a:t>
+              <a:t>+ Segurança</a:t>
             </a:r>
             <a:endParaRPr lang="pt-BR" dirty="0"/>
           </a:p>
@@ -8945,7 +8965,230 @@
     </p:spTree>
     <p:extLst>
       <p:ext uri="{BB962C8B-B14F-4D97-AF65-F5344CB8AC3E}">
-        <p14:creationId xmlns:p14="http://schemas.microsoft.com/office/powerpoint/2010/main" xmlns="" val="2116960364"/>
+        <p14:creationId xmlns:p14="http://schemas.microsoft.com/office/powerpoint/2010/main" val="2116960364"/>
+      </p:ext>
+    </p:extLst>
+  </p:cSld>
+  <p:clrMapOvr>
+    <a:masterClrMapping/>
+  </p:clrMapOvr>
+  <p:timing>
+    <p:tnLst>
+      <p:par>
+        <p:cTn id="1" dur="indefinite" restart="never" nodeType="tmRoot"/>
+      </p:par>
+    </p:tnLst>
+  </p:timing>
+</p:sld>
+</file>
+
+<file path=ppt/slides/slide9.xml><?xml version="1.0" encoding="utf-8"?>
+<p:sld xmlns:a="http://schemas.openxmlformats.org/drawingml/2006/main" xmlns:r="http://schemas.openxmlformats.org/officeDocument/2006/relationships" xmlns:p="http://schemas.openxmlformats.org/presentationml/2006/main">
+  <p:cSld>
+    <p:spTree>
+      <p:nvGrpSpPr>
+        <p:cNvPr id="1" name=""/>
+        <p:cNvGrpSpPr/>
+        <p:nvPr/>
+      </p:nvGrpSpPr>
+      <p:grpSpPr>
+        <a:xfrm>
+          <a:off x="0" y="0"/>
+          <a:ext cx="0" cy="0"/>
+          <a:chOff x="0" y="0"/>
+          <a:chExt cx="0" cy="0"/>
+        </a:xfrm>
+      </p:grpSpPr>
+      <p:sp>
+        <p:nvSpPr>
+          <p:cNvPr id="2" name="Título 1"/>
+          <p:cNvSpPr>
+            <a:spLocks noGrp="1"/>
+          </p:cNvSpPr>
+          <p:nvPr>
+            <p:ph type="title"/>
+          </p:nvPr>
+        </p:nvSpPr>
+        <p:spPr>
+          <a:xfrm>
+            <a:off x="1484309" y="264696"/>
+            <a:ext cx="10018713" cy="1752599"/>
+          </a:xfrm>
+        </p:spPr>
+        <p:txBody>
+          <a:bodyPr/>
+          <a:lstStyle/>
+          <a:p>
+            <a:r>
+              <a:rPr lang="pt-BR" dirty="0"/>
+              <a:t>Demais bibliotecas e recursos utilizados</a:t>
+            </a:r>
+          </a:p>
+        </p:txBody>
+      </p:sp>
+      <p:sp>
+        <p:nvSpPr>
+          <p:cNvPr id="3" name="Espaço Reservado para Conteúdo 2"/>
+          <p:cNvSpPr>
+            <a:spLocks noGrp="1"/>
+          </p:cNvSpPr>
+          <p:nvPr>
+            <p:ph idx="1"/>
+          </p:nvPr>
+        </p:nvSpPr>
+        <p:spPr/>
+        <p:txBody>
+          <a:bodyPr>
+            <a:normAutofit fontScale="70000" lnSpcReduction="20000"/>
+          </a:bodyPr>
+          <a:lstStyle/>
+          <a:p>
+            <a:r>
+              <a:rPr lang="pt-BR" dirty="0"/>
+              <a:t>Banco de dados: </a:t>
+            </a:r>
+            <a:r>
+              <a:rPr lang="pt-BR" dirty="0" smtClean="0"/>
+              <a:t>MySQL</a:t>
+            </a:r>
+          </a:p>
+          <a:p>
+            <a:r>
+              <a:rPr lang="pt-BR" dirty="0" smtClean="0"/>
+              <a:t>Ferramenta </a:t>
+            </a:r>
+            <a:r>
+              <a:rPr lang="pt-BR" dirty="0"/>
+              <a:t>de manipulação do Banco de dados: </a:t>
+            </a:r>
+            <a:r>
+              <a:rPr lang="pt-BR" dirty="0" err="1" smtClean="0"/>
+              <a:t>PhpMyAdmin</a:t>
+            </a:r>
+            <a:endParaRPr lang="pt-BR" dirty="0" smtClean="0"/>
+          </a:p>
+          <a:p>
+            <a:r>
+              <a:rPr lang="pt-BR" dirty="0" smtClean="0"/>
+              <a:t>Servidor</a:t>
+            </a:r>
+            <a:r>
+              <a:rPr lang="pt-BR" dirty="0"/>
+              <a:t>: </a:t>
+            </a:r>
+            <a:r>
+              <a:rPr lang="pt-BR" dirty="0" smtClean="0"/>
+              <a:t>Apache</a:t>
+            </a:r>
+          </a:p>
+          <a:p>
+            <a:r>
+              <a:rPr lang="pt-BR" dirty="0" err="1" smtClean="0"/>
+              <a:t>Xampp</a:t>
+            </a:r>
+            <a:endParaRPr lang="pt-BR" dirty="0" smtClean="0"/>
+          </a:p>
+          <a:p>
+            <a:r>
+              <a:rPr lang="pt-BR" dirty="0" smtClean="0"/>
+              <a:t>Linguagem </a:t>
+            </a:r>
+            <a:r>
+              <a:rPr lang="pt-BR" dirty="0"/>
+              <a:t>de programação principal: </a:t>
+            </a:r>
+            <a:r>
+              <a:rPr lang="pt-BR" dirty="0" smtClean="0"/>
+              <a:t>PHP</a:t>
+            </a:r>
+          </a:p>
+          <a:p>
+            <a:r>
+              <a:rPr lang="pt-BR" dirty="0" smtClean="0"/>
+              <a:t>Linguagem </a:t>
+            </a:r>
+            <a:r>
+              <a:rPr lang="pt-BR" dirty="0"/>
+              <a:t>de auxílio UI(</a:t>
+            </a:r>
+            <a:r>
+              <a:rPr lang="pt-BR" dirty="0" err="1"/>
+              <a:t>FrontEnd</a:t>
+            </a:r>
+            <a:r>
+              <a:rPr lang="pt-BR" dirty="0"/>
+              <a:t>) </a:t>
+            </a:r>
+            <a:r>
+              <a:rPr lang="pt-BR" dirty="0" err="1"/>
+              <a:t>Javascript</a:t>
+            </a:r>
+            <a:r>
+              <a:rPr lang="pt-BR" dirty="0"/>
+              <a:t>, biblioteca </a:t>
+            </a:r>
+            <a:r>
+              <a:rPr lang="pt-BR" dirty="0" err="1" smtClean="0"/>
+              <a:t>Jquery</a:t>
+            </a:r>
+            <a:endParaRPr lang="pt-BR" dirty="0" smtClean="0"/>
+          </a:p>
+          <a:p>
+            <a:r>
+              <a:rPr lang="pt-BR" dirty="0" smtClean="0"/>
+              <a:t>CSS</a:t>
+            </a:r>
+            <a:r>
+              <a:rPr lang="pt-BR" dirty="0"/>
+              <a:t>, </a:t>
+            </a:r>
+            <a:r>
+              <a:rPr lang="pt-BR" dirty="0" smtClean="0"/>
+              <a:t>HTML5</a:t>
+            </a:r>
+          </a:p>
+          <a:p>
+            <a:r>
+              <a:rPr lang="pt-BR" dirty="0"/>
+              <a:t>Ambiente de desenvolvimento: </a:t>
+            </a:r>
+            <a:r>
+              <a:rPr lang="pt-BR" dirty="0" err="1"/>
+              <a:t>Notepad</a:t>
+            </a:r>
+            <a:r>
+              <a:rPr lang="pt-BR" dirty="0" smtClean="0"/>
+              <a:t>++</a:t>
+            </a:r>
+          </a:p>
+          <a:p>
+            <a:r>
+              <a:rPr lang="pt-BR" dirty="0"/>
+              <a:t>Ferramenta de Versionamento: </a:t>
+            </a:r>
+            <a:r>
+              <a:rPr lang="pt-BR" dirty="0" err="1"/>
+              <a:t>Git</a:t>
+            </a:r>
+            <a:r>
+              <a:rPr lang="pt-BR" dirty="0"/>
+              <a:t>(</a:t>
+            </a:r>
+            <a:r>
+              <a:rPr lang="pt-BR" dirty="0" err="1"/>
+              <a:t>Github</a:t>
+            </a:r>
+            <a:r>
+              <a:rPr lang="pt-BR" dirty="0"/>
+              <a:t> servidor de armazenamento dos arquivos)</a:t>
+            </a:r>
+          </a:p>
+        </p:txBody>
+      </p:sp>
+    </p:spTree>
+    <p:extLst>
+      <p:ext uri="{BB962C8B-B14F-4D97-AF65-F5344CB8AC3E}">
+        <p14:creationId xmlns:p14="http://schemas.microsoft.com/office/powerpoint/2010/main" val="2943460901"/>
       </p:ext>
     </p:extLst>
   </p:cSld>
@@ -9212,7 +9455,7 @@
   <a:extraClrSchemeLst/>
   <a:extLst>
     <a:ext uri="{05A4C25C-085E-4340-85A3-A5531E510DB2}">
-      <thm15:themeFamily xmlns:thm15="http://schemas.microsoft.com/office/thememl/2012/main" xmlns="" name="Parallax" id="{3388167B-A2EB-4685-9635-1831D9AEF8C4}" vid="{93B4CCAC-FD5A-4D59-B1AC-EAF45910B5A9}"/>
+      <thm15:themeFamily xmlns:thm15="http://schemas.microsoft.com/office/thememl/2012/main" name="Parallax" id="{3388167B-A2EB-4685-9635-1831D9AEF8C4}" vid="{93B4CCAC-FD5A-4D59-B1AC-EAF45910B5A9}"/>
     </a:ext>
   </a:extLst>
 </a:theme>

--- a/Documentação/Colheita Urbana.pptx
+++ b/Documentação/Colheita Urbana.pptx
@@ -114,7 +114,7 @@
   </p:defaultTextStyle>
   <p:extLst>
     <p:ext uri="{EFAFB233-063F-42B5-8137-9DF3F51BA10A}">
-      <p15:sldGuideLst xmlns:p15="http://schemas.microsoft.com/office/powerpoint/2012/main">
+      <p15:sldGuideLst xmlns:p15="http://schemas.microsoft.com/office/powerpoint/2012/main" xmlns="">
         <p15:guide id="1" orient="horz" pos="2160">
           <p15:clr>
             <a:srgbClr val="A4A3A4"/>
@@ -6217,7 +6217,7 @@
     </p:spTree>
     <p:extLst>
       <p:ext uri="{BB962C8B-B14F-4D97-AF65-F5344CB8AC3E}">
-        <p14:creationId xmlns:p14="http://schemas.microsoft.com/office/powerpoint/2010/main" val="2093833439"/>
+        <p14:creationId xmlns:p14="http://schemas.microsoft.com/office/powerpoint/2010/main" xmlns="" val="2093833439"/>
       </p:ext>
     </p:extLst>
   </p:cSld>
@@ -6348,7 +6348,7 @@
     </p:spTree>
     <p:extLst>
       <p:ext uri="{BB962C8B-B14F-4D97-AF65-F5344CB8AC3E}">
-        <p14:creationId xmlns:p14="http://schemas.microsoft.com/office/powerpoint/2010/main" val="3781100483"/>
+        <p14:creationId xmlns:p14="http://schemas.microsoft.com/office/powerpoint/2010/main" xmlns="" val="3781100483"/>
       </p:ext>
     </p:extLst>
   </p:cSld>
@@ -6434,7 +6434,7 @@
           <a:blip r:embed="rId2">
             <a:extLst>
               <a:ext uri="{28A0092B-C50C-407E-A947-70E740481C1C}">
-                <a14:useLocalDpi xmlns:a14="http://schemas.microsoft.com/office/drawing/2010/main" val="0"/>
+                <a14:useLocalDpi xmlns:a14="http://schemas.microsoft.com/office/drawing/2010/main" xmlns="" val="0"/>
               </a:ext>
             </a:extLst>
           </a:blip>
@@ -6455,7 +6455,7 @@
     </p:spTree>
     <p:extLst>
       <p:ext uri="{BB962C8B-B14F-4D97-AF65-F5344CB8AC3E}">
-        <p14:creationId xmlns:p14="http://schemas.microsoft.com/office/powerpoint/2010/main" val="2890008881"/>
+        <p14:creationId xmlns:p14="http://schemas.microsoft.com/office/powerpoint/2010/main" xmlns="" val="2890008881"/>
       </p:ext>
     </p:extLst>
   </p:cSld>
@@ -7297,7 +7297,7 @@
     </p:spTree>
     <p:extLst>
       <p:ext uri="{BB962C8B-B14F-4D97-AF65-F5344CB8AC3E}">
-        <p14:creationId xmlns:p14="http://schemas.microsoft.com/office/powerpoint/2010/main" val="3089740947"/>
+        <p14:creationId xmlns:p14="http://schemas.microsoft.com/office/powerpoint/2010/main" xmlns="" val="3089740947"/>
       </p:ext>
     </p:extLst>
   </p:cSld>
@@ -7403,7 +7403,7 @@
     </p:spTree>
     <p:extLst>
       <p:ext uri="{BB962C8B-B14F-4D97-AF65-F5344CB8AC3E}">
-        <p14:creationId xmlns:p14="http://schemas.microsoft.com/office/powerpoint/2010/main" val="3104146540"/>
+        <p14:creationId xmlns:p14="http://schemas.microsoft.com/office/powerpoint/2010/main" xmlns="" val="3104146540"/>
       </p:ext>
     </p:extLst>
   </p:cSld>
@@ -8380,7 +8380,7 @@
     </p:spTree>
     <p:extLst>
       <p:ext uri="{BB962C8B-B14F-4D97-AF65-F5344CB8AC3E}">
-        <p14:creationId xmlns:p14="http://schemas.microsoft.com/office/powerpoint/2010/main" val="2133789711"/>
+        <p14:creationId xmlns:p14="http://schemas.microsoft.com/office/powerpoint/2010/main" xmlns="" val="2133789711"/>
       </p:ext>
     </p:extLst>
   </p:cSld>
@@ -8459,7 +8459,7 @@
           <a:blip r:embed="rId2">
             <a:extLst>
               <a:ext uri="{28A0092B-C50C-407E-A947-70E740481C1C}">
-                <a14:useLocalDpi xmlns:a14="http://schemas.microsoft.com/office/drawing/2010/main" val="0"/>
+                <a14:useLocalDpi xmlns:a14="http://schemas.microsoft.com/office/drawing/2010/main" xmlns="" val="0"/>
               </a:ext>
             </a:extLst>
           </a:blip>
@@ -8480,7 +8480,7 @@
     </p:spTree>
     <p:extLst>
       <p:ext uri="{BB962C8B-B14F-4D97-AF65-F5344CB8AC3E}">
-        <p14:creationId xmlns:p14="http://schemas.microsoft.com/office/powerpoint/2010/main" val="267948650"/>
+        <p14:creationId xmlns:p14="http://schemas.microsoft.com/office/powerpoint/2010/main" xmlns="" val="267948650"/>
       </p:ext>
     </p:extLst>
   </p:cSld>
@@ -8965,7 +8965,7 @@
     </p:spTree>
     <p:extLst>
       <p:ext uri="{BB962C8B-B14F-4D97-AF65-F5344CB8AC3E}">
-        <p14:creationId xmlns:p14="http://schemas.microsoft.com/office/powerpoint/2010/main" val="2116960364"/>
+        <p14:creationId xmlns:p14="http://schemas.microsoft.com/office/powerpoint/2010/main" xmlns="" val="2116960364"/>
       </p:ext>
     </p:extLst>
   </p:cSld>
@@ -9164,23 +9164,15 @@
           <a:p>
             <a:r>
               <a:rPr lang="pt-BR" dirty="0"/>
-              <a:t>Ferramenta de Versionamento: </a:t>
-            </a:r>
-            <a:r>
-              <a:rPr lang="pt-BR" dirty="0" err="1"/>
-              <a:t>Git</a:t>
+              <a:t>Ferramenta de Versionamento: Git(Github servidor de armazenamento </a:t>
+            </a:r>
+            <a:r>
+              <a:rPr lang="pt-BR" dirty="0" smtClean="0"/>
+              <a:t>dos arquivos</a:t>
             </a:r>
             <a:r>
               <a:rPr lang="pt-BR" dirty="0"/>
-              <a:t>(</a:t>
-            </a:r>
-            <a:r>
-              <a:rPr lang="pt-BR" dirty="0" err="1"/>
-              <a:t>Github</a:t>
-            </a:r>
-            <a:r>
-              <a:rPr lang="pt-BR" dirty="0"/>
-              <a:t> servidor de armazenamento dos arquivos)</a:t>
+              <a:t>)</a:t>
             </a:r>
           </a:p>
         </p:txBody>
@@ -9188,7 +9180,7 @@
     </p:spTree>
     <p:extLst>
       <p:ext uri="{BB962C8B-B14F-4D97-AF65-F5344CB8AC3E}">
-        <p14:creationId xmlns:p14="http://schemas.microsoft.com/office/powerpoint/2010/main" val="2943460901"/>
+        <p14:creationId xmlns:p14="http://schemas.microsoft.com/office/powerpoint/2010/main" xmlns="" val="2943460901"/>
       </p:ext>
     </p:extLst>
   </p:cSld>
@@ -9455,7 +9447,7 @@
   <a:extraClrSchemeLst/>
   <a:extLst>
     <a:ext uri="{05A4C25C-085E-4340-85A3-A5531E510DB2}">
-      <thm15:themeFamily xmlns:thm15="http://schemas.microsoft.com/office/thememl/2012/main" name="Parallax" id="{3388167B-A2EB-4685-9635-1831D9AEF8C4}" vid="{93B4CCAC-FD5A-4D59-B1AC-EAF45910B5A9}"/>
+      <thm15:themeFamily xmlns:thm15="http://schemas.microsoft.com/office/thememl/2012/main" xmlns="" name="Parallax" id="{3388167B-A2EB-4685-9635-1831D9AEF8C4}" vid="{93B4CCAC-FD5A-4D59-B1AC-EAF45910B5A9}"/>
     </a:ext>
   </a:extLst>
 </a:theme>

--- a/Documentação/Colheita Urbana.pptx
+++ b/Documentação/Colheita Urbana.pptx
@@ -14,6 +14,7 @@
     <p:sldId id="262" r:id="rId8"/>
     <p:sldId id="263" r:id="rId9"/>
     <p:sldId id="264" r:id="rId10"/>
+    <p:sldId id="265" r:id="rId11"/>
   </p:sldIdLst>
   <p:sldSz cx="12192000" cy="6858000"/>
   <p:notesSz cx="6858000" cy="9144000"/>
@@ -114,7 +115,7 @@
   </p:defaultTextStyle>
   <p:extLst>
     <p:ext uri="{EFAFB233-063F-42B5-8137-9DF3F51BA10A}">
-      <p15:sldGuideLst xmlns:p15="http://schemas.microsoft.com/office/powerpoint/2012/main" xmlns="">
+      <p15:sldGuideLst xmlns:p15="http://schemas.microsoft.com/office/powerpoint/2012/main">
         <p15:guide id="1" orient="horz" pos="2160">
           <p15:clr>
             <a:srgbClr val="A4A3A4"/>
@@ -6217,7 +6218,110 @@
     </p:spTree>
     <p:extLst>
       <p:ext uri="{BB962C8B-B14F-4D97-AF65-F5344CB8AC3E}">
-        <p14:creationId xmlns:p14="http://schemas.microsoft.com/office/powerpoint/2010/main" xmlns="" val="2093833439"/>
+        <p14:creationId xmlns:p14="http://schemas.microsoft.com/office/powerpoint/2010/main" val="2093833439"/>
+      </p:ext>
+    </p:extLst>
+  </p:cSld>
+  <p:clrMapOvr>
+    <a:masterClrMapping/>
+  </p:clrMapOvr>
+  <p:timing>
+    <p:tnLst>
+      <p:par>
+        <p:cTn id="1" dur="indefinite" restart="never" nodeType="tmRoot"/>
+      </p:par>
+    </p:tnLst>
+  </p:timing>
+</p:sld>
+</file>
+
+<file path=ppt/slides/slide10.xml><?xml version="1.0" encoding="utf-8"?>
+<p:sld xmlns:a="http://schemas.openxmlformats.org/drawingml/2006/main" xmlns:r="http://schemas.openxmlformats.org/officeDocument/2006/relationships" xmlns:p="http://schemas.openxmlformats.org/presentationml/2006/main">
+  <p:cSld>
+    <p:spTree>
+      <p:nvGrpSpPr>
+        <p:cNvPr id="1" name=""/>
+        <p:cNvGrpSpPr/>
+        <p:nvPr/>
+      </p:nvGrpSpPr>
+      <p:grpSpPr>
+        <a:xfrm>
+          <a:off x="0" y="0"/>
+          <a:ext cx="0" cy="0"/>
+          <a:chOff x="0" y="0"/>
+          <a:chExt cx="0" cy="0"/>
+        </a:xfrm>
+      </p:grpSpPr>
+      <p:sp>
+        <p:nvSpPr>
+          <p:cNvPr id="2" name="Título 1"/>
+          <p:cNvSpPr>
+            <a:spLocks noGrp="1"/>
+          </p:cNvSpPr>
+          <p:nvPr>
+            <p:ph type="title"/>
+          </p:nvPr>
+        </p:nvSpPr>
+        <p:spPr/>
+        <p:txBody>
+          <a:bodyPr/>
+          <a:lstStyle/>
+          <a:p>
+            <a:r>
+              <a:rPr lang="pt-BR" dirty="0" smtClean="0"/>
+              <a:t>Desafios e perspectivas</a:t>
+            </a:r>
+            <a:endParaRPr lang="pt-BR" dirty="0"/>
+          </a:p>
+        </p:txBody>
+      </p:sp>
+      <p:sp>
+        <p:nvSpPr>
+          <p:cNvPr id="3" name="Espaço Reservado para Conteúdo 2"/>
+          <p:cNvSpPr>
+            <a:spLocks noGrp="1"/>
+          </p:cNvSpPr>
+          <p:nvPr>
+            <p:ph idx="1"/>
+          </p:nvPr>
+        </p:nvSpPr>
+        <p:spPr/>
+        <p:txBody>
+          <a:bodyPr/>
+          <a:lstStyle/>
+          <a:p>
+            <a:r>
+              <a:rPr lang="pt-BR" dirty="0" smtClean="0"/>
+              <a:t>Um dos grandes desafios do projeto foi a manipulação de banco de dados, já não tínhamos muito conhecimento do assunto.</a:t>
+            </a:r>
+          </a:p>
+          <a:p>
+            <a:r>
+              <a:rPr lang="pt-BR" dirty="0" smtClean="0"/>
+              <a:t>Embora a arquitetura tenha sido muito bem escolhida, ela </a:t>
+            </a:r>
+            <a:r>
+              <a:rPr lang="pt-BR" dirty="0" err="1" smtClean="0"/>
+              <a:t>requeriu</a:t>
+            </a:r>
+            <a:r>
+              <a:rPr lang="pt-BR" dirty="0" smtClean="0"/>
+              <a:t> muita atenção na implementação</a:t>
+            </a:r>
+          </a:p>
+          <a:p>
+            <a:r>
+              <a:rPr lang="pt-BR" dirty="0" smtClean="0"/>
+              <a:t>No futuro, a falta de um designer na equipe dificultará a implementação de classes de estilização visual</a:t>
+            </a:r>
+            <a:endParaRPr lang="pt-BR" dirty="0"/>
+          </a:p>
+        </p:txBody>
+      </p:sp>
+    </p:spTree>
+    <p:extLst>
+      <p:ext uri="{BB962C8B-B14F-4D97-AF65-F5344CB8AC3E}">
+        <p14:creationId xmlns:p14="http://schemas.microsoft.com/office/powerpoint/2010/main" val="1559964815"/>
       </p:ext>
     </p:extLst>
   </p:cSld>
@@ -6348,7 +6452,7 @@
     </p:spTree>
     <p:extLst>
       <p:ext uri="{BB962C8B-B14F-4D97-AF65-F5344CB8AC3E}">
-        <p14:creationId xmlns:p14="http://schemas.microsoft.com/office/powerpoint/2010/main" xmlns="" val="3781100483"/>
+        <p14:creationId xmlns:p14="http://schemas.microsoft.com/office/powerpoint/2010/main" val="3781100483"/>
       </p:ext>
     </p:extLst>
   </p:cSld>
@@ -6434,7 +6538,7 @@
           <a:blip r:embed="rId2">
             <a:extLst>
               <a:ext uri="{28A0092B-C50C-407E-A947-70E740481C1C}">
-                <a14:useLocalDpi xmlns:a14="http://schemas.microsoft.com/office/drawing/2010/main" xmlns="" val="0"/>
+                <a14:useLocalDpi xmlns:a14="http://schemas.microsoft.com/office/drawing/2010/main" val="0"/>
               </a:ext>
             </a:extLst>
           </a:blip>
@@ -6455,7 +6559,7 @@
     </p:spTree>
     <p:extLst>
       <p:ext uri="{BB962C8B-B14F-4D97-AF65-F5344CB8AC3E}">
-        <p14:creationId xmlns:p14="http://schemas.microsoft.com/office/powerpoint/2010/main" xmlns="" val="2890008881"/>
+        <p14:creationId xmlns:p14="http://schemas.microsoft.com/office/powerpoint/2010/main" val="2890008881"/>
       </p:ext>
     </p:extLst>
   </p:cSld>
@@ -7297,7 +7401,7 @@
     </p:spTree>
     <p:extLst>
       <p:ext uri="{BB962C8B-B14F-4D97-AF65-F5344CB8AC3E}">
-        <p14:creationId xmlns:p14="http://schemas.microsoft.com/office/powerpoint/2010/main" xmlns="" val="3089740947"/>
+        <p14:creationId xmlns:p14="http://schemas.microsoft.com/office/powerpoint/2010/main" val="3089740947"/>
       </p:ext>
     </p:extLst>
   </p:cSld>
@@ -7403,7 +7507,7 @@
     </p:spTree>
     <p:extLst>
       <p:ext uri="{BB962C8B-B14F-4D97-AF65-F5344CB8AC3E}">
-        <p14:creationId xmlns:p14="http://schemas.microsoft.com/office/powerpoint/2010/main" xmlns="" val="3104146540"/>
+        <p14:creationId xmlns:p14="http://schemas.microsoft.com/office/powerpoint/2010/main" val="3104146540"/>
       </p:ext>
     </p:extLst>
   </p:cSld>
@@ -8380,7 +8484,7 @@
     </p:spTree>
     <p:extLst>
       <p:ext uri="{BB962C8B-B14F-4D97-AF65-F5344CB8AC3E}">
-        <p14:creationId xmlns:p14="http://schemas.microsoft.com/office/powerpoint/2010/main" xmlns="" val="2133789711"/>
+        <p14:creationId xmlns:p14="http://schemas.microsoft.com/office/powerpoint/2010/main" val="2133789711"/>
       </p:ext>
     </p:extLst>
   </p:cSld>
@@ -8459,7 +8563,7 @@
           <a:blip r:embed="rId2">
             <a:extLst>
               <a:ext uri="{28A0092B-C50C-407E-A947-70E740481C1C}">
-                <a14:useLocalDpi xmlns:a14="http://schemas.microsoft.com/office/drawing/2010/main" xmlns="" val="0"/>
+                <a14:useLocalDpi xmlns:a14="http://schemas.microsoft.com/office/drawing/2010/main" val="0"/>
               </a:ext>
             </a:extLst>
           </a:blip>
@@ -8480,7 +8584,7 @@
     </p:spTree>
     <p:extLst>
       <p:ext uri="{BB962C8B-B14F-4D97-AF65-F5344CB8AC3E}">
-        <p14:creationId xmlns:p14="http://schemas.microsoft.com/office/powerpoint/2010/main" xmlns="" val="267948650"/>
+        <p14:creationId xmlns:p14="http://schemas.microsoft.com/office/powerpoint/2010/main" val="267948650"/>
       </p:ext>
     </p:extLst>
   </p:cSld>
@@ -8965,7 +9069,7 @@
     </p:spTree>
     <p:extLst>
       <p:ext uri="{BB962C8B-B14F-4D97-AF65-F5344CB8AC3E}">
-        <p14:creationId xmlns:p14="http://schemas.microsoft.com/office/powerpoint/2010/main" xmlns="" val="2116960364"/>
+        <p14:creationId xmlns:p14="http://schemas.microsoft.com/office/powerpoint/2010/main" val="2116960364"/>
       </p:ext>
     </p:extLst>
   </p:cSld>
@@ -9164,15 +9268,23 @@
           <a:p>
             <a:r>
               <a:rPr lang="pt-BR" dirty="0"/>
-              <a:t>Ferramenta de Versionamento: Git(Github servidor de armazenamento </a:t>
-            </a:r>
-            <a:r>
-              <a:rPr lang="pt-BR" dirty="0" smtClean="0"/>
-              <a:t>dos arquivos</a:t>
+              <a:t>Ferramenta de Versionamento: </a:t>
+            </a:r>
+            <a:r>
+              <a:rPr lang="pt-BR" dirty="0" err="1"/>
+              <a:t>Git</a:t>
             </a:r>
             <a:r>
               <a:rPr lang="pt-BR" dirty="0"/>
-              <a:t>)</a:t>
+              <a:t>(</a:t>
+            </a:r>
+            <a:r>
+              <a:rPr lang="pt-BR" dirty="0" err="1"/>
+              <a:t>Github</a:t>
+            </a:r>
+            <a:r>
+              <a:rPr lang="pt-BR" dirty="0"/>
+              <a:t> servidor de armazenamento dos arquivos)</a:t>
             </a:r>
           </a:p>
         </p:txBody>
@@ -9180,7 +9292,7 @@
     </p:spTree>
     <p:extLst>
       <p:ext uri="{BB962C8B-B14F-4D97-AF65-F5344CB8AC3E}">
-        <p14:creationId xmlns:p14="http://schemas.microsoft.com/office/powerpoint/2010/main" xmlns="" val="2943460901"/>
+        <p14:creationId xmlns:p14="http://schemas.microsoft.com/office/powerpoint/2010/main" val="2943460901"/>
       </p:ext>
     </p:extLst>
   </p:cSld>
@@ -9447,7 +9559,7 @@
   <a:extraClrSchemeLst/>
   <a:extLst>
     <a:ext uri="{05A4C25C-085E-4340-85A3-A5531E510DB2}">
-      <thm15:themeFamily xmlns:thm15="http://schemas.microsoft.com/office/thememl/2012/main" xmlns="" name="Parallax" id="{3388167B-A2EB-4685-9635-1831D9AEF8C4}" vid="{93B4CCAC-FD5A-4D59-B1AC-EAF45910B5A9}"/>
+      <thm15:themeFamily xmlns:thm15="http://schemas.microsoft.com/office/thememl/2012/main" name="Parallax" id="{3388167B-A2EB-4685-9635-1831D9AEF8C4}" vid="{93B4CCAC-FD5A-4D59-B1AC-EAF45910B5A9}"/>
     </a:ext>
   </a:extLst>
 </a:theme>

--- a/Documentação/Colheita Urbana.pptx
+++ b/Documentação/Colheita Urbana.pptx
@@ -115,7 +115,7 @@
   </p:defaultTextStyle>
   <p:extLst>
     <p:ext uri="{EFAFB233-063F-42B5-8137-9DF3F51BA10A}">
-      <p15:sldGuideLst xmlns:p15="http://schemas.microsoft.com/office/powerpoint/2012/main">
+      <p15:sldGuideLst xmlns:p15="http://schemas.microsoft.com/office/powerpoint/2012/main" xmlns="">
         <p15:guide id="1" orient="horz" pos="2160">
           <p15:clr>
             <a:srgbClr val="A4A3A4"/>
@@ -6218,7 +6218,7 @@
     </p:spTree>
     <p:extLst>
       <p:ext uri="{BB962C8B-B14F-4D97-AF65-F5344CB8AC3E}">
-        <p14:creationId xmlns:p14="http://schemas.microsoft.com/office/powerpoint/2010/main" val="2093833439"/>
+        <p14:creationId xmlns:p14="http://schemas.microsoft.com/office/powerpoint/2010/main" xmlns="" val="2093833439"/>
       </p:ext>
     </p:extLst>
   </p:cSld>
@@ -6298,15 +6298,19 @@
           <a:p>
             <a:r>
               <a:rPr lang="pt-BR" dirty="0" smtClean="0"/>
-              <a:t>Embora a arquitetura tenha sido muito bem escolhida, ela </a:t>
-            </a:r>
-            <a:r>
-              <a:rPr lang="pt-BR" dirty="0" err="1" smtClean="0"/>
-              <a:t>requeriu</a:t>
+              <a:t>Embora a arquitetura tenha sido muito bem escolhida, </a:t>
+            </a:r>
+            <a:r>
+              <a:rPr lang="pt-BR" smtClean="0"/>
+              <a:t>ela </a:t>
+            </a:r>
+            <a:r>
+              <a:rPr lang="pt-BR" smtClean="0"/>
+              <a:t>requer </a:t>
             </a:r>
             <a:r>
               <a:rPr lang="pt-BR" dirty="0" smtClean="0"/>
-              <a:t> muita atenção na implementação</a:t>
+              <a:t>muita atenção na implementação</a:t>
             </a:r>
           </a:p>
           <a:p>
@@ -6321,7 +6325,7 @@
     </p:spTree>
     <p:extLst>
       <p:ext uri="{BB962C8B-B14F-4D97-AF65-F5344CB8AC3E}">
-        <p14:creationId xmlns:p14="http://schemas.microsoft.com/office/powerpoint/2010/main" val="1559964815"/>
+        <p14:creationId xmlns:p14="http://schemas.microsoft.com/office/powerpoint/2010/main" xmlns="" val="1559964815"/>
       </p:ext>
     </p:extLst>
   </p:cSld>
@@ -6452,7 +6456,7 @@
     </p:spTree>
     <p:extLst>
       <p:ext uri="{BB962C8B-B14F-4D97-AF65-F5344CB8AC3E}">
-        <p14:creationId xmlns:p14="http://schemas.microsoft.com/office/powerpoint/2010/main" val="3781100483"/>
+        <p14:creationId xmlns:p14="http://schemas.microsoft.com/office/powerpoint/2010/main" xmlns="" val="3781100483"/>
       </p:ext>
     </p:extLst>
   </p:cSld>
@@ -6538,7 +6542,7 @@
           <a:blip r:embed="rId2">
             <a:extLst>
               <a:ext uri="{28A0092B-C50C-407E-A947-70E740481C1C}">
-                <a14:useLocalDpi xmlns:a14="http://schemas.microsoft.com/office/drawing/2010/main" val="0"/>
+                <a14:useLocalDpi xmlns:a14="http://schemas.microsoft.com/office/drawing/2010/main" xmlns="" val="0"/>
               </a:ext>
             </a:extLst>
           </a:blip>
@@ -6559,7 +6563,7 @@
     </p:spTree>
     <p:extLst>
       <p:ext uri="{BB962C8B-B14F-4D97-AF65-F5344CB8AC3E}">
-        <p14:creationId xmlns:p14="http://schemas.microsoft.com/office/powerpoint/2010/main" val="2890008881"/>
+        <p14:creationId xmlns:p14="http://schemas.microsoft.com/office/powerpoint/2010/main" xmlns="" val="2890008881"/>
       </p:ext>
     </p:extLst>
   </p:cSld>
@@ -7401,7 +7405,7 @@
     </p:spTree>
     <p:extLst>
       <p:ext uri="{BB962C8B-B14F-4D97-AF65-F5344CB8AC3E}">
-        <p14:creationId xmlns:p14="http://schemas.microsoft.com/office/powerpoint/2010/main" val="3089740947"/>
+        <p14:creationId xmlns:p14="http://schemas.microsoft.com/office/powerpoint/2010/main" xmlns="" val="3089740947"/>
       </p:ext>
     </p:extLst>
   </p:cSld>
@@ -7507,7 +7511,7 @@
     </p:spTree>
     <p:extLst>
       <p:ext uri="{BB962C8B-B14F-4D97-AF65-F5344CB8AC3E}">
-        <p14:creationId xmlns:p14="http://schemas.microsoft.com/office/powerpoint/2010/main" val="3104146540"/>
+        <p14:creationId xmlns:p14="http://schemas.microsoft.com/office/powerpoint/2010/main" xmlns="" val="3104146540"/>
       </p:ext>
     </p:extLst>
   </p:cSld>
@@ -8484,7 +8488,7 @@
     </p:spTree>
     <p:extLst>
       <p:ext uri="{BB962C8B-B14F-4D97-AF65-F5344CB8AC3E}">
-        <p14:creationId xmlns:p14="http://schemas.microsoft.com/office/powerpoint/2010/main" val="2133789711"/>
+        <p14:creationId xmlns:p14="http://schemas.microsoft.com/office/powerpoint/2010/main" xmlns="" val="2133789711"/>
       </p:ext>
     </p:extLst>
   </p:cSld>
@@ -8563,7 +8567,7 @@
           <a:blip r:embed="rId2">
             <a:extLst>
               <a:ext uri="{28A0092B-C50C-407E-A947-70E740481C1C}">
-                <a14:useLocalDpi xmlns:a14="http://schemas.microsoft.com/office/drawing/2010/main" val="0"/>
+                <a14:useLocalDpi xmlns:a14="http://schemas.microsoft.com/office/drawing/2010/main" xmlns="" val="0"/>
               </a:ext>
             </a:extLst>
           </a:blip>
@@ -8584,7 +8588,7 @@
     </p:spTree>
     <p:extLst>
       <p:ext uri="{BB962C8B-B14F-4D97-AF65-F5344CB8AC3E}">
-        <p14:creationId xmlns:p14="http://schemas.microsoft.com/office/powerpoint/2010/main" val="267948650"/>
+        <p14:creationId xmlns:p14="http://schemas.microsoft.com/office/powerpoint/2010/main" xmlns="" val="267948650"/>
       </p:ext>
     </p:extLst>
   </p:cSld>
@@ -9069,7 +9073,7 @@
     </p:spTree>
     <p:extLst>
       <p:ext uri="{BB962C8B-B14F-4D97-AF65-F5344CB8AC3E}">
-        <p14:creationId xmlns:p14="http://schemas.microsoft.com/office/powerpoint/2010/main" val="2116960364"/>
+        <p14:creationId xmlns:p14="http://schemas.microsoft.com/office/powerpoint/2010/main" xmlns="" val="2116960364"/>
       </p:ext>
     </p:extLst>
   </p:cSld>
@@ -9292,7 +9296,7 @@
     </p:spTree>
     <p:extLst>
       <p:ext uri="{BB962C8B-B14F-4D97-AF65-F5344CB8AC3E}">
-        <p14:creationId xmlns:p14="http://schemas.microsoft.com/office/powerpoint/2010/main" val="2943460901"/>
+        <p14:creationId xmlns:p14="http://schemas.microsoft.com/office/powerpoint/2010/main" xmlns="" val="2943460901"/>
       </p:ext>
     </p:extLst>
   </p:cSld>
@@ -9559,7 +9563,7 @@
   <a:extraClrSchemeLst/>
   <a:extLst>
     <a:ext uri="{05A4C25C-085E-4340-85A3-A5531E510DB2}">
-      <thm15:themeFamily xmlns:thm15="http://schemas.microsoft.com/office/thememl/2012/main" name="Parallax" id="{3388167B-A2EB-4685-9635-1831D9AEF8C4}" vid="{93B4CCAC-FD5A-4D59-B1AC-EAF45910B5A9}"/>
+      <thm15:themeFamily xmlns:thm15="http://schemas.microsoft.com/office/thememl/2012/main" xmlns="" name="Parallax" id="{3388167B-A2EB-4685-9635-1831D9AEF8C4}" vid="{93B4CCAC-FD5A-4D59-B1AC-EAF45910B5A9}"/>
     </a:ext>
   </a:extLst>
 </a:theme>
